--- a/VideoSessionsMaterials/understanding-read-methods.pptx
+++ b/VideoSessionsMaterials/understanding-read-methods.pptx
@@ -1,11 +1,11 @@
 
 <file path=ppt/presentation.xml><?xml version="1.0" encoding="utf-8"?>
-<p:presentation xmlns:a="http://schemas.openxmlformats.org/drawingml/2006/main" xmlns:r="http://schemas.openxmlformats.org/officeDocument/2006/relationships" xmlns:p="http://schemas.openxmlformats.org/presentationml/2006/main" showSpecialPlsOnTitleSld="0" saveSubsetFonts="1" autoCompressPictures="0">
+<p:presentation xmlns:a="http://schemas.openxmlformats.org/drawingml/2006/main" xmlns:r="http://schemas.openxmlformats.org/officeDocument/2006/relationships" xmlns:mc="http://schemas.openxmlformats.org/markup-compatibility/2006" xmlns:mv="urn:schemas-microsoft-com:mac:vml" xmlns:p="http://schemas.openxmlformats.org/presentationml/2006/main" mc:Ignorable="mv" mc:PreserveAttributes="mv:*" showSpecialPlsOnTitleSld="0" saveSubsetFonts="1" autoCompressPictures="0">
   <p:sldMasterIdLst>
     <p:sldMasterId id="2147483648" r:id="rId1"/>
   </p:sldMasterIdLst>
   <p:notesMasterIdLst>
-    <p:notesMasterId r:id="rId12"/>
+    <p:notesMasterId r:id="rId8"/>
   </p:notesMasterIdLst>
   <p:sldIdLst>
     <p:sldId id="364" r:id="rId2"/>
@@ -13,11 +13,7 @@
     <p:sldId id="371" r:id="rId4"/>
     <p:sldId id="372" r:id="rId5"/>
     <p:sldId id="373" r:id="rId6"/>
-    <p:sldId id="326" r:id="rId7"/>
-    <p:sldId id="367" r:id="rId8"/>
-    <p:sldId id="368" r:id="rId9"/>
-    <p:sldId id="369" r:id="rId10"/>
-    <p:sldId id="322" r:id="rId11"/>
+    <p:sldId id="322" r:id="rId7"/>
   </p:sldIdLst>
   <p:sldSz cx="17327563" cy="9747250"/>
   <p:notesSz cx="6858000" cy="9144000"/>
@@ -150,7 +146,7 @@
 </file>
 
 <file path=ppt/notesMasters/notesMaster1.xml><?xml version="1.0" encoding="utf-8"?>
-<p:notesMaster xmlns:a="http://schemas.openxmlformats.org/drawingml/2006/main" xmlns:r="http://schemas.openxmlformats.org/officeDocument/2006/relationships" xmlns:p="http://schemas.openxmlformats.org/presentationml/2006/main">
+<p:notesMaster xmlns:a="http://schemas.openxmlformats.org/drawingml/2006/main" xmlns:r="http://schemas.openxmlformats.org/officeDocument/2006/relationships" xmlns:mc="http://schemas.openxmlformats.org/markup-compatibility/2006" xmlns:mv="urn:schemas-microsoft-com:mac:vml" xmlns:p="http://schemas.openxmlformats.org/presentationml/2006/main" mc:Ignorable="mv" mc:PreserveAttributes="mv:*">
   <p:cSld>
     <p:bg>
       <p:bgRef idx="1001">
@@ -232,7 +228,7 @@
             <a:fld id="{DDC063FE-8627-9A42-970F-0BBEEB02B587}" type="datetimeFigureOut">
               <a:rPr lang="en-US" smtClean="0"/>
               <a:pPr/>
-              <a:t>12/5/13</a:t>
+              <a:t>12/6/13</a:t>
             </a:fld>
             <a:endParaRPr lang="en-US" dirty="0"/>
           </a:p>
@@ -401,7 +397,7 @@
     </p:spTree>
     <p:extLst>
       <p:ext uri="{BB962C8B-B14F-4D97-AF65-F5344CB8AC3E}">
-        <p14:creationId xmlns:p14="http://schemas.microsoft.com/office/powerpoint/2010/main" val="4045051341"/>
+        <p14:creationId xmlns:p14="http://schemas.microsoft.com/office/powerpoint/2010/main" xmlns:p="http://schemas.openxmlformats.org/presentationml/2006/main" xmlns:r="http://schemas.openxmlformats.org/officeDocument/2006/relationships" xmlns:a="http://schemas.openxmlformats.org/drawingml/2006/main" xmlns="" val="4045051341"/>
       </p:ext>
     </p:extLst>
   </p:cSld>
@@ -502,7 +498,7 @@
 </file>
 
 <file path=ppt/notesSlides/notesSlide1.xml><?xml version="1.0" encoding="utf-8"?>
-<p:notes xmlns:a="http://schemas.openxmlformats.org/drawingml/2006/main" xmlns:r="http://schemas.openxmlformats.org/officeDocument/2006/relationships" xmlns:p="http://schemas.openxmlformats.org/presentationml/2006/main">
+<p:notes xmlns:a="http://schemas.openxmlformats.org/drawingml/2006/main" xmlns:r="http://schemas.openxmlformats.org/officeDocument/2006/relationships" xmlns:mc="http://schemas.openxmlformats.org/markup-compatibility/2006" xmlns:mv="urn:schemas-microsoft-com:mac:vml" xmlns:p="http://schemas.openxmlformats.org/presentationml/2006/main" mc:Ignorable="mv" mc:PreserveAttributes="mv:*">
   <p:cSld>
     <p:spTree>
       <p:nvGrpSpPr>
@@ -576,7 +572,7 @@
     </p:spTree>
     <p:extLst>
       <p:ext uri="{BB962C8B-B14F-4D97-AF65-F5344CB8AC3E}">
-        <p14:creationId xmlns:p14="http://schemas.microsoft.com/office/powerpoint/2010/main" val="3250658828"/>
+        <p14:creationId xmlns:p14="http://schemas.microsoft.com/office/powerpoint/2010/main" xmlns:p="http://schemas.openxmlformats.org/presentationml/2006/main" xmlns:r="http://schemas.openxmlformats.org/officeDocument/2006/relationships" xmlns:a="http://schemas.openxmlformats.org/drawingml/2006/main" xmlns="" val="3250658828"/>
       </p:ext>
     </p:extLst>
   </p:cSld>
@@ -587,7 +583,7 @@
 </file>
 
 <file path=ppt/notesSlides/notesSlide2.xml><?xml version="1.0" encoding="utf-8"?>
-<p:notes xmlns:a="http://schemas.openxmlformats.org/drawingml/2006/main" xmlns:r="http://schemas.openxmlformats.org/officeDocument/2006/relationships" xmlns:p="http://schemas.openxmlformats.org/presentationml/2006/main">
+<p:notes xmlns:a="http://schemas.openxmlformats.org/drawingml/2006/main" xmlns:r="http://schemas.openxmlformats.org/officeDocument/2006/relationships" xmlns:mc="http://schemas.openxmlformats.org/markup-compatibility/2006" xmlns:mv="urn:schemas-microsoft-com:mac:vml" xmlns:p="http://schemas.openxmlformats.org/presentationml/2006/main" mc:Ignorable="mv" mc:PreserveAttributes="mv:*">
   <p:cSld>
     <p:spTree>
       <p:nvGrpSpPr>
@@ -625,14 +621,14 @@
           </a:ln>
           <a:extLst>
             <a:ext uri="{909E8E84-426E-40dd-AFC4-6F175D3DCCD1}">
-              <a14:hiddenFill xmlns:a14="http://schemas.microsoft.com/office/drawing/2010/main">
+              <a14:hiddenFill xmlns:a14="http://schemas.microsoft.com/office/drawing/2010/main" xmlns:p="http://schemas.openxmlformats.org/presentationml/2006/main" xmlns:r="http://schemas.openxmlformats.org/officeDocument/2006/relationships" xmlns:a="http://schemas.openxmlformats.org/drawingml/2006/main" xmlns="">
                 <a:solidFill>
                   <a:srgbClr val="FFFFFF"/>
                 </a:solidFill>
               </a14:hiddenFill>
             </a:ext>
             <a:ext uri="{91240B29-F687-4f45-9708-019B960494DF}">
-              <a14:hiddenLine xmlns:a14="http://schemas.microsoft.com/office/drawing/2010/main" w="9525">
+              <a14:hiddenLine xmlns:a14="http://schemas.microsoft.com/office/drawing/2010/main" xmlns:p="http://schemas.openxmlformats.org/presentationml/2006/main" xmlns:r="http://schemas.openxmlformats.org/officeDocument/2006/relationships" xmlns:a="http://schemas.openxmlformats.org/drawingml/2006/main" xmlns="" w="9525">
                 <a:solidFill>
                   <a:srgbClr val="000000"/>
                 </a:solidFill>
@@ -786,14 +782,14 @@
           </a:ln>
           <a:extLst>
             <a:ext uri="{909E8E84-426E-40dd-AFC4-6F175D3DCCD1}">
-              <a14:hiddenFill xmlns:a14="http://schemas.microsoft.com/office/drawing/2010/main">
+              <a14:hiddenFill xmlns:a14="http://schemas.microsoft.com/office/drawing/2010/main" xmlns:p="http://schemas.openxmlformats.org/presentationml/2006/main" xmlns:r="http://schemas.openxmlformats.org/officeDocument/2006/relationships" xmlns:a="http://schemas.openxmlformats.org/drawingml/2006/main" xmlns="">
                 <a:solidFill>
                   <a:srgbClr val="FFFFFF"/>
                 </a:solidFill>
               </a14:hiddenFill>
             </a:ext>
             <a:ext uri="{FAA26D3D-D897-4be2-8F04-BA451C77F1D7}">
-              <ma14:placeholderFlag xmlns:ma14="http://schemas.microsoft.com/office/mac/drawingml/2011/main" val="1"/>
+              <ma14:placeholderFlag xmlns:ma14="http://schemas.microsoft.com/office/mac/drawingml/2011/main" xmlns:p="http://schemas.openxmlformats.org/presentationml/2006/main" xmlns:r="http://schemas.openxmlformats.org/officeDocument/2006/relationships" xmlns:a="http://schemas.openxmlformats.org/drawingml/2006/main" xmlns="" val="1"/>
             </a:ext>
           </a:extLst>
         </p:spPr>
@@ -812,14 +808,14 @@
           <a:noFill/>
           <a:extLst>
             <a:ext uri="{909E8E84-426E-40dd-AFC4-6F175D3DCCD1}">
-              <a14:hiddenFill xmlns:a14="http://schemas.microsoft.com/office/drawing/2010/main">
+              <a14:hiddenFill xmlns:a14="http://schemas.microsoft.com/office/drawing/2010/main" xmlns:p="http://schemas.openxmlformats.org/presentationml/2006/main" xmlns:r="http://schemas.openxmlformats.org/officeDocument/2006/relationships" xmlns:a="http://schemas.openxmlformats.org/drawingml/2006/main" xmlns="">
                 <a:solidFill>
                   <a:srgbClr val="FFFFFF"/>
                 </a:solidFill>
               </a14:hiddenFill>
             </a:ext>
             <a:ext uri="{91240B29-F687-4f45-9708-019B960494DF}">
-              <a14:hiddenLine xmlns:a14="http://schemas.microsoft.com/office/drawing/2010/main" w="9525">
+              <a14:hiddenLine xmlns:a14="http://schemas.microsoft.com/office/drawing/2010/main" xmlns:p="http://schemas.openxmlformats.org/presentationml/2006/main" xmlns:r="http://schemas.openxmlformats.org/officeDocument/2006/relationships" xmlns:a="http://schemas.openxmlformats.org/drawingml/2006/main" xmlns="" w="9525">
                 <a:solidFill>
                   <a:srgbClr val="000000"/>
                 </a:solidFill>
@@ -829,7 +825,7 @@
               </a14:hiddenLine>
             </a:ext>
             <a:ext uri="{FAA26D3D-D897-4be2-8F04-BA451C77F1D7}">
-              <ma14:placeholderFlag xmlns:ma14="http://schemas.microsoft.com/office/mac/drawingml/2011/main" val="1"/>
+              <ma14:placeholderFlag xmlns:ma14="http://schemas.microsoft.com/office/mac/drawingml/2011/main" xmlns:p="http://schemas.openxmlformats.org/presentationml/2006/main" xmlns:r="http://schemas.openxmlformats.org/officeDocument/2006/relationships" xmlns:a="http://schemas.openxmlformats.org/drawingml/2006/main" xmlns="" val="1"/>
             </a:ext>
           </a:extLst>
         </p:spPr>
@@ -857,7 +853,7 @@
 </file>
 
 <file path=ppt/notesSlides/notesSlide3.xml><?xml version="1.0" encoding="utf-8"?>
-<p:notes xmlns:a="http://schemas.openxmlformats.org/drawingml/2006/main" xmlns:r="http://schemas.openxmlformats.org/officeDocument/2006/relationships" xmlns:p="http://schemas.openxmlformats.org/presentationml/2006/main">
+<p:notes xmlns:a="http://schemas.openxmlformats.org/drawingml/2006/main" xmlns:r="http://schemas.openxmlformats.org/officeDocument/2006/relationships" xmlns:mc="http://schemas.openxmlformats.org/markup-compatibility/2006" xmlns:mv="urn:schemas-microsoft-com:mac:vml" xmlns:p="http://schemas.openxmlformats.org/presentationml/2006/main" mc:Ignorable="mv" mc:PreserveAttributes="mv:*">
   <p:cSld>
     <p:spTree>
       <p:nvGrpSpPr>
@@ -895,14 +891,14 @@
           </a:ln>
           <a:extLst>
             <a:ext uri="{909E8E84-426E-40dd-AFC4-6F175D3DCCD1}">
-              <a14:hiddenFill xmlns:a14="http://schemas.microsoft.com/office/drawing/2010/main">
+              <a14:hiddenFill xmlns:a14="http://schemas.microsoft.com/office/drawing/2010/main" xmlns:p="http://schemas.openxmlformats.org/presentationml/2006/main" xmlns:r="http://schemas.openxmlformats.org/officeDocument/2006/relationships" xmlns:a="http://schemas.openxmlformats.org/drawingml/2006/main" xmlns="">
                 <a:solidFill>
                   <a:srgbClr val="FFFFFF"/>
                 </a:solidFill>
               </a14:hiddenFill>
             </a:ext>
             <a:ext uri="{91240B29-F687-4f45-9708-019B960494DF}">
-              <a14:hiddenLine xmlns:a14="http://schemas.microsoft.com/office/drawing/2010/main" w="9525">
+              <a14:hiddenLine xmlns:a14="http://schemas.microsoft.com/office/drawing/2010/main" xmlns:p="http://schemas.openxmlformats.org/presentationml/2006/main" xmlns:r="http://schemas.openxmlformats.org/officeDocument/2006/relationships" xmlns:a="http://schemas.openxmlformats.org/drawingml/2006/main" xmlns="" w="9525">
                 <a:solidFill>
                   <a:srgbClr val="000000"/>
                 </a:solidFill>
@@ -1056,14 +1052,14 @@
           </a:ln>
           <a:extLst>
             <a:ext uri="{909E8E84-426E-40dd-AFC4-6F175D3DCCD1}">
-              <a14:hiddenFill xmlns:a14="http://schemas.microsoft.com/office/drawing/2010/main">
+              <a14:hiddenFill xmlns:a14="http://schemas.microsoft.com/office/drawing/2010/main" xmlns:p="http://schemas.openxmlformats.org/presentationml/2006/main" xmlns:r="http://schemas.openxmlformats.org/officeDocument/2006/relationships" xmlns:a="http://schemas.openxmlformats.org/drawingml/2006/main" xmlns="">
                 <a:solidFill>
                   <a:srgbClr val="FFFFFF"/>
                 </a:solidFill>
               </a14:hiddenFill>
             </a:ext>
             <a:ext uri="{FAA26D3D-D897-4be2-8F04-BA451C77F1D7}">
-              <ma14:placeholderFlag xmlns:ma14="http://schemas.microsoft.com/office/mac/drawingml/2011/main" val="1"/>
+              <ma14:placeholderFlag xmlns:ma14="http://schemas.microsoft.com/office/mac/drawingml/2011/main" xmlns:p="http://schemas.openxmlformats.org/presentationml/2006/main" xmlns:r="http://schemas.openxmlformats.org/officeDocument/2006/relationships" xmlns:a="http://schemas.openxmlformats.org/drawingml/2006/main" xmlns="" val="1"/>
             </a:ext>
           </a:extLst>
         </p:spPr>
@@ -1082,14 +1078,14 @@
           <a:noFill/>
           <a:extLst>
             <a:ext uri="{909E8E84-426E-40dd-AFC4-6F175D3DCCD1}">
-              <a14:hiddenFill xmlns:a14="http://schemas.microsoft.com/office/drawing/2010/main">
+              <a14:hiddenFill xmlns:a14="http://schemas.microsoft.com/office/drawing/2010/main" xmlns:p="http://schemas.openxmlformats.org/presentationml/2006/main" xmlns:r="http://schemas.openxmlformats.org/officeDocument/2006/relationships" xmlns:a="http://schemas.openxmlformats.org/drawingml/2006/main" xmlns="">
                 <a:solidFill>
                   <a:srgbClr val="FFFFFF"/>
                 </a:solidFill>
               </a14:hiddenFill>
             </a:ext>
             <a:ext uri="{91240B29-F687-4f45-9708-019B960494DF}">
-              <a14:hiddenLine xmlns:a14="http://schemas.microsoft.com/office/drawing/2010/main" w="9525">
+              <a14:hiddenLine xmlns:a14="http://schemas.microsoft.com/office/drawing/2010/main" xmlns:p="http://schemas.openxmlformats.org/presentationml/2006/main" xmlns:r="http://schemas.openxmlformats.org/officeDocument/2006/relationships" xmlns:a="http://schemas.openxmlformats.org/drawingml/2006/main" xmlns="" w="9525">
                 <a:solidFill>
                   <a:srgbClr val="000000"/>
                 </a:solidFill>
@@ -1099,7 +1095,7 @@
               </a14:hiddenLine>
             </a:ext>
             <a:ext uri="{FAA26D3D-D897-4be2-8F04-BA451C77F1D7}">
-              <ma14:placeholderFlag xmlns:ma14="http://schemas.microsoft.com/office/mac/drawingml/2011/main" val="1"/>
+              <ma14:placeholderFlag xmlns:ma14="http://schemas.microsoft.com/office/mac/drawingml/2011/main" xmlns:p="http://schemas.openxmlformats.org/presentationml/2006/main" xmlns:r="http://schemas.openxmlformats.org/officeDocument/2006/relationships" xmlns:a="http://schemas.openxmlformats.org/drawingml/2006/main" xmlns="" val="1"/>
             </a:ext>
           </a:extLst>
         </p:spPr>
@@ -1127,7 +1123,7 @@
 </file>
 
 <file path=ppt/notesSlides/notesSlide4.xml><?xml version="1.0" encoding="utf-8"?>
-<p:notes xmlns:a="http://schemas.openxmlformats.org/drawingml/2006/main" xmlns:r="http://schemas.openxmlformats.org/officeDocument/2006/relationships" xmlns:p="http://schemas.openxmlformats.org/presentationml/2006/main">
+<p:notes xmlns:a="http://schemas.openxmlformats.org/drawingml/2006/main" xmlns:r="http://schemas.openxmlformats.org/officeDocument/2006/relationships" xmlns:mc="http://schemas.openxmlformats.org/markup-compatibility/2006" xmlns:mv="urn:schemas-microsoft-com:mac:vml" xmlns:p="http://schemas.openxmlformats.org/presentationml/2006/main" mc:Ignorable="mv" mc:PreserveAttributes="mv:*">
   <p:cSld>
     <p:spTree>
       <p:nvGrpSpPr>
@@ -1165,14 +1161,14 @@
           </a:ln>
           <a:extLst>
             <a:ext uri="{909E8E84-426E-40dd-AFC4-6F175D3DCCD1}">
-              <a14:hiddenFill xmlns:a14="http://schemas.microsoft.com/office/drawing/2010/main">
+              <a14:hiddenFill xmlns:a14="http://schemas.microsoft.com/office/drawing/2010/main" xmlns:p="http://schemas.openxmlformats.org/presentationml/2006/main" xmlns:r="http://schemas.openxmlformats.org/officeDocument/2006/relationships" xmlns:a="http://schemas.openxmlformats.org/drawingml/2006/main" xmlns="">
                 <a:solidFill>
                   <a:srgbClr val="FFFFFF"/>
                 </a:solidFill>
               </a14:hiddenFill>
             </a:ext>
             <a:ext uri="{91240B29-F687-4f45-9708-019B960494DF}">
-              <a14:hiddenLine xmlns:a14="http://schemas.microsoft.com/office/drawing/2010/main" w="9525">
+              <a14:hiddenLine xmlns:a14="http://schemas.microsoft.com/office/drawing/2010/main" xmlns:p="http://schemas.openxmlformats.org/presentationml/2006/main" xmlns:r="http://schemas.openxmlformats.org/officeDocument/2006/relationships" xmlns:a="http://schemas.openxmlformats.org/drawingml/2006/main" xmlns="" w="9525">
                 <a:solidFill>
                   <a:srgbClr val="000000"/>
                 </a:solidFill>
@@ -1326,14 +1322,14 @@
           </a:ln>
           <a:extLst>
             <a:ext uri="{909E8E84-426E-40dd-AFC4-6F175D3DCCD1}">
-              <a14:hiddenFill xmlns:a14="http://schemas.microsoft.com/office/drawing/2010/main">
+              <a14:hiddenFill xmlns:a14="http://schemas.microsoft.com/office/drawing/2010/main" xmlns:p="http://schemas.openxmlformats.org/presentationml/2006/main" xmlns:r="http://schemas.openxmlformats.org/officeDocument/2006/relationships" xmlns:a="http://schemas.openxmlformats.org/drawingml/2006/main" xmlns="">
                 <a:solidFill>
                   <a:srgbClr val="FFFFFF"/>
                 </a:solidFill>
               </a14:hiddenFill>
             </a:ext>
             <a:ext uri="{FAA26D3D-D897-4be2-8F04-BA451C77F1D7}">
-              <ma14:placeholderFlag xmlns:ma14="http://schemas.microsoft.com/office/mac/drawingml/2011/main" val="1"/>
+              <ma14:placeholderFlag xmlns:ma14="http://schemas.microsoft.com/office/mac/drawingml/2011/main" xmlns:p="http://schemas.openxmlformats.org/presentationml/2006/main" xmlns:r="http://schemas.openxmlformats.org/officeDocument/2006/relationships" xmlns:a="http://schemas.openxmlformats.org/drawingml/2006/main" xmlns="" val="1"/>
             </a:ext>
           </a:extLst>
         </p:spPr>
@@ -1352,14 +1348,14 @@
           <a:noFill/>
           <a:extLst>
             <a:ext uri="{909E8E84-426E-40dd-AFC4-6F175D3DCCD1}">
-              <a14:hiddenFill xmlns:a14="http://schemas.microsoft.com/office/drawing/2010/main">
+              <a14:hiddenFill xmlns:a14="http://schemas.microsoft.com/office/drawing/2010/main" xmlns:p="http://schemas.openxmlformats.org/presentationml/2006/main" xmlns:r="http://schemas.openxmlformats.org/officeDocument/2006/relationships" xmlns:a="http://schemas.openxmlformats.org/drawingml/2006/main" xmlns="">
                 <a:solidFill>
                   <a:srgbClr val="FFFFFF"/>
                 </a:solidFill>
               </a14:hiddenFill>
             </a:ext>
             <a:ext uri="{91240B29-F687-4f45-9708-019B960494DF}">
-              <a14:hiddenLine xmlns:a14="http://schemas.microsoft.com/office/drawing/2010/main" w="9525">
+              <a14:hiddenLine xmlns:a14="http://schemas.microsoft.com/office/drawing/2010/main" xmlns:p="http://schemas.openxmlformats.org/presentationml/2006/main" xmlns:r="http://schemas.openxmlformats.org/officeDocument/2006/relationships" xmlns:a="http://schemas.openxmlformats.org/drawingml/2006/main" xmlns="" w="9525">
                 <a:solidFill>
                   <a:srgbClr val="000000"/>
                 </a:solidFill>
@@ -1369,7 +1365,7 @@
               </a14:hiddenLine>
             </a:ext>
             <a:ext uri="{FAA26D3D-D897-4be2-8F04-BA451C77F1D7}">
-              <ma14:placeholderFlag xmlns:ma14="http://schemas.microsoft.com/office/mac/drawingml/2011/main" val="1"/>
+              <ma14:placeholderFlag xmlns:ma14="http://schemas.microsoft.com/office/mac/drawingml/2011/main" xmlns:p="http://schemas.openxmlformats.org/presentationml/2006/main" xmlns:r="http://schemas.openxmlformats.org/officeDocument/2006/relationships" xmlns:a="http://schemas.openxmlformats.org/drawingml/2006/main" xmlns="" val="1"/>
             </a:ext>
           </a:extLst>
         </p:spPr>
@@ -1397,7 +1393,7 @@
 </file>
 
 <file path=ppt/notesSlides/notesSlide5.xml><?xml version="1.0" encoding="utf-8"?>
-<p:notes xmlns:a="http://schemas.openxmlformats.org/drawingml/2006/main" xmlns:r="http://schemas.openxmlformats.org/officeDocument/2006/relationships" xmlns:p="http://schemas.openxmlformats.org/presentationml/2006/main">
+<p:notes xmlns:a="http://schemas.openxmlformats.org/drawingml/2006/main" xmlns:r="http://schemas.openxmlformats.org/officeDocument/2006/relationships" xmlns:mc="http://schemas.openxmlformats.org/markup-compatibility/2006" xmlns:mv="urn:schemas-microsoft-com:mac:vml" xmlns:p="http://schemas.openxmlformats.org/presentationml/2006/main" mc:Ignorable="mv" mc:PreserveAttributes="mv:*">
   <p:cSld>
     <p:spTree>
       <p:nvGrpSpPr>
@@ -1471,347 +1467,7 @@
     </p:spTree>
     <p:extLst>
       <p:ext uri="{BB962C8B-B14F-4D97-AF65-F5344CB8AC3E}">
-        <p14:creationId xmlns:p14="http://schemas.microsoft.com/office/powerpoint/2010/main" val="963676054"/>
-      </p:ext>
-    </p:extLst>
-  </p:cSld>
-  <p:clrMapOvr>
-    <a:masterClrMapping/>
-  </p:clrMapOvr>
-</p:notes>
-</file>
-
-<file path=ppt/notesSlides/notesSlide6.xml><?xml version="1.0" encoding="utf-8"?>
-<p:notes xmlns:a="http://schemas.openxmlformats.org/drawingml/2006/main" xmlns:r="http://schemas.openxmlformats.org/officeDocument/2006/relationships" xmlns:p="http://schemas.openxmlformats.org/presentationml/2006/main">
-  <p:cSld>
-    <p:spTree>
-      <p:nvGrpSpPr>
-        <p:cNvPr id="1" name=""/>
-        <p:cNvGrpSpPr/>
-        <p:nvPr/>
-      </p:nvGrpSpPr>
-      <p:grpSpPr>
-        <a:xfrm>
-          <a:off x="0" y="0"/>
-          <a:ext cx="0" cy="0"/>
-          <a:chOff x="0" y="0"/>
-          <a:chExt cx="0" cy="0"/>
-        </a:xfrm>
-      </p:grpSpPr>
-      <p:sp>
-        <p:nvSpPr>
-          <p:cNvPr id="2" name="Slide Image Placeholder 1"/>
-          <p:cNvSpPr>
-            <a:spLocks noGrp="1" noRot="1" noChangeAspect="1"/>
-          </p:cNvSpPr>
-          <p:nvPr>
-            <p:ph type="sldImg"/>
-          </p:nvPr>
-        </p:nvSpPr>
-        <p:spPr/>
-      </p:sp>
-      <p:sp>
-        <p:nvSpPr>
-          <p:cNvPr id="3" name="Notes Placeholder 2"/>
-          <p:cNvSpPr>
-            <a:spLocks noGrp="1"/>
-          </p:cNvSpPr>
-          <p:nvPr>
-            <p:ph type="body" idx="1"/>
-          </p:nvPr>
-        </p:nvSpPr>
-        <p:spPr/>
-        <p:txBody>
-          <a:bodyPr/>
-          <a:lstStyle/>
-          <a:p>
-            <a:endParaRPr lang="en-US"/>
-          </a:p>
-        </p:txBody>
-      </p:sp>
-      <p:sp>
-        <p:nvSpPr>
-          <p:cNvPr id="4" name="Slide Number Placeholder 3"/>
-          <p:cNvSpPr>
-            <a:spLocks noGrp="1"/>
-          </p:cNvSpPr>
-          <p:nvPr>
-            <p:ph type="sldNum" sz="quarter" idx="10"/>
-          </p:nvPr>
-        </p:nvSpPr>
-        <p:spPr/>
-        <p:txBody>
-          <a:bodyPr/>
-          <a:lstStyle/>
-          <a:p>
-            <a:fld id="{3560C2FB-C494-1A46-A471-884A4E75440F}" type="slidenum">
-              <a:rPr lang="en-US" smtClean="0"/>
-              <a:pPr/>
-              <a:t>7</a:t>
-            </a:fld>
-            <a:endParaRPr lang="en-US" dirty="0"/>
-          </a:p>
-        </p:txBody>
-      </p:sp>
-    </p:spTree>
-    <p:extLst>
-      <p:ext uri="{BB962C8B-B14F-4D97-AF65-F5344CB8AC3E}">
-        <p14:creationId xmlns:p14="http://schemas.microsoft.com/office/powerpoint/2010/main" val="963676054"/>
-      </p:ext>
-    </p:extLst>
-  </p:cSld>
-  <p:clrMapOvr>
-    <a:masterClrMapping/>
-  </p:clrMapOvr>
-</p:notes>
-</file>
-
-<file path=ppt/notesSlides/notesSlide7.xml><?xml version="1.0" encoding="utf-8"?>
-<p:notes xmlns:a="http://schemas.openxmlformats.org/drawingml/2006/main" xmlns:r="http://schemas.openxmlformats.org/officeDocument/2006/relationships" xmlns:p="http://schemas.openxmlformats.org/presentationml/2006/main">
-  <p:cSld>
-    <p:spTree>
-      <p:nvGrpSpPr>
-        <p:cNvPr id="1" name=""/>
-        <p:cNvGrpSpPr/>
-        <p:nvPr/>
-      </p:nvGrpSpPr>
-      <p:grpSpPr>
-        <a:xfrm>
-          <a:off x="0" y="0"/>
-          <a:ext cx="0" cy="0"/>
-          <a:chOff x="0" y="0"/>
-          <a:chExt cx="0" cy="0"/>
-        </a:xfrm>
-      </p:grpSpPr>
-      <p:sp>
-        <p:nvSpPr>
-          <p:cNvPr id="2" name="Slide Image Placeholder 1"/>
-          <p:cNvSpPr>
-            <a:spLocks noGrp="1" noRot="1" noChangeAspect="1"/>
-          </p:cNvSpPr>
-          <p:nvPr>
-            <p:ph type="sldImg"/>
-          </p:nvPr>
-        </p:nvSpPr>
-        <p:spPr/>
-      </p:sp>
-      <p:sp>
-        <p:nvSpPr>
-          <p:cNvPr id="3" name="Notes Placeholder 2"/>
-          <p:cNvSpPr>
-            <a:spLocks noGrp="1"/>
-          </p:cNvSpPr>
-          <p:nvPr>
-            <p:ph type="body" idx="1"/>
-          </p:nvPr>
-        </p:nvSpPr>
-        <p:spPr/>
-        <p:txBody>
-          <a:bodyPr/>
-          <a:lstStyle/>
-          <a:p>
-            <a:endParaRPr lang="en-US"/>
-          </a:p>
-        </p:txBody>
-      </p:sp>
-      <p:sp>
-        <p:nvSpPr>
-          <p:cNvPr id="4" name="Slide Number Placeholder 3"/>
-          <p:cNvSpPr>
-            <a:spLocks noGrp="1"/>
-          </p:cNvSpPr>
-          <p:nvPr>
-            <p:ph type="sldNum" sz="quarter" idx="10"/>
-          </p:nvPr>
-        </p:nvSpPr>
-        <p:spPr/>
-        <p:txBody>
-          <a:bodyPr/>
-          <a:lstStyle/>
-          <a:p>
-            <a:fld id="{3560C2FB-C494-1A46-A471-884A4E75440F}" type="slidenum">
-              <a:rPr lang="en-US" smtClean="0"/>
-              <a:pPr/>
-              <a:t>8</a:t>
-            </a:fld>
-            <a:endParaRPr lang="en-US" dirty="0"/>
-          </a:p>
-        </p:txBody>
-      </p:sp>
-    </p:spTree>
-    <p:extLst>
-      <p:ext uri="{BB962C8B-B14F-4D97-AF65-F5344CB8AC3E}">
-        <p14:creationId xmlns:p14="http://schemas.microsoft.com/office/powerpoint/2010/main" val="963676054"/>
-      </p:ext>
-    </p:extLst>
-  </p:cSld>
-  <p:clrMapOvr>
-    <a:masterClrMapping/>
-  </p:clrMapOvr>
-</p:notes>
-</file>
-
-<file path=ppt/notesSlides/notesSlide8.xml><?xml version="1.0" encoding="utf-8"?>
-<p:notes xmlns:a="http://schemas.openxmlformats.org/drawingml/2006/main" xmlns:r="http://schemas.openxmlformats.org/officeDocument/2006/relationships" xmlns:p="http://schemas.openxmlformats.org/presentationml/2006/main">
-  <p:cSld>
-    <p:spTree>
-      <p:nvGrpSpPr>
-        <p:cNvPr id="1" name=""/>
-        <p:cNvGrpSpPr/>
-        <p:nvPr/>
-      </p:nvGrpSpPr>
-      <p:grpSpPr>
-        <a:xfrm>
-          <a:off x="0" y="0"/>
-          <a:ext cx="0" cy="0"/>
-          <a:chOff x="0" y="0"/>
-          <a:chExt cx="0" cy="0"/>
-        </a:xfrm>
-      </p:grpSpPr>
-      <p:sp>
-        <p:nvSpPr>
-          <p:cNvPr id="2" name="Slide Image Placeholder 1"/>
-          <p:cNvSpPr>
-            <a:spLocks noGrp="1" noRot="1" noChangeAspect="1"/>
-          </p:cNvSpPr>
-          <p:nvPr>
-            <p:ph type="sldImg"/>
-          </p:nvPr>
-        </p:nvSpPr>
-        <p:spPr/>
-      </p:sp>
-      <p:sp>
-        <p:nvSpPr>
-          <p:cNvPr id="3" name="Notes Placeholder 2"/>
-          <p:cNvSpPr>
-            <a:spLocks noGrp="1"/>
-          </p:cNvSpPr>
-          <p:nvPr>
-            <p:ph type="body" idx="1"/>
-          </p:nvPr>
-        </p:nvSpPr>
-        <p:spPr/>
-        <p:txBody>
-          <a:bodyPr/>
-          <a:lstStyle/>
-          <a:p>
-            <a:endParaRPr lang="en-US"/>
-          </a:p>
-        </p:txBody>
-      </p:sp>
-      <p:sp>
-        <p:nvSpPr>
-          <p:cNvPr id="4" name="Slide Number Placeholder 3"/>
-          <p:cNvSpPr>
-            <a:spLocks noGrp="1"/>
-          </p:cNvSpPr>
-          <p:nvPr>
-            <p:ph type="sldNum" sz="quarter" idx="10"/>
-          </p:nvPr>
-        </p:nvSpPr>
-        <p:spPr/>
-        <p:txBody>
-          <a:bodyPr/>
-          <a:lstStyle/>
-          <a:p>
-            <a:fld id="{3560C2FB-C494-1A46-A471-884A4E75440F}" type="slidenum">
-              <a:rPr lang="en-US" smtClean="0"/>
-              <a:pPr/>
-              <a:t>9</a:t>
-            </a:fld>
-            <a:endParaRPr lang="en-US" dirty="0"/>
-          </a:p>
-        </p:txBody>
-      </p:sp>
-    </p:spTree>
-    <p:extLst>
-      <p:ext uri="{BB962C8B-B14F-4D97-AF65-F5344CB8AC3E}">
-        <p14:creationId xmlns:p14="http://schemas.microsoft.com/office/powerpoint/2010/main" val="963676054"/>
-      </p:ext>
-    </p:extLst>
-  </p:cSld>
-  <p:clrMapOvr>
-    <a:masterClrMapping/>
-  </p:clrMapOvr>
-</p:notes>
-</file>
-
-<file path=ppt/notesSlides/notesSlide9.xml><?xml version="1.0" encoding="utf-8"?>
-<p:notes xmlns:a="http://schemas.openxmlformats.org/drawingml/2006/main" xmlns:r="http://schemas.openxmlformats.org/officeDocument/2006/relationships" xmlns:p="http://schemas.openxmlformats.org/presentationml/2006/main">
-  <p:cSld>
-    <p:spTree>
-      <p:nvGrpSpPr>
-        <p:cNvPr id="1" name=""/>
-        <p:cNvGrpSpPr/>
-        <p:nvPr/>
-      </p:nvGrpSpPr>
-      <p:grpSpPr>
-        <a:xfrm>
-          <a:off x="0" y="0"/>
-          <a:ext cx="0" cy="0"/>
-          <a:chOff x="0" y="0"/>
-          <a:chExt cx="0" cy="0"/>
-        </a:xfrm>
-      </p:grpSpPr>
-      <p:sp>
-        <p:nvSpPr>
-          <p:cNvPr id="2" name="Slide Image Placeholder 1"/>
-          <p:cNvSpPr>
-            <a:spLocks noGrp="1" noRot="1" noChangeAspect="1"/>
-          </p:cNvSpPr>
-          <p:nvPr>
-            <p:ph type="sldImg"/>
-          </p:nvPr>
-        </p:nvSpPr>
-        <p:spPr/>
-      </p:sp>
-      <p:sp>
-        <p:nvSpPr>
-          <p:cNvPr id="3" name="Notes Placeholder 2"/>
-          <p:cNvSpPr>
-            <a:spLocks noGrp="1"/>
-          </p:cNvSpPr>
-          <p:nvPr>
-            <p:ph type="body" idx="1"/>
-          </p:nvPr>
-        </p:nvSpPr>
-        <p:spPr/>
-        <p:txBody>
-          <a:bodyPr/>
-          <a:lstStyle/>
-          <a:p>
-            <a:endParaRPr lang="en-US"/>
-          </a:p>
-        </p:txBody>
-      </p:sp>
-      <p:sp>
-        <p:nvSpPr>
-          <p:cNvPr id="4" name="Slide Number Placeholder 3"/>
-          <p:cNvSpPr>
-            <a:spLocks noGrp="1"/>
-          </p:cNvSpPr>
-          <p:nvPr>
-            <p:ph type="sldNum" sz="quarter" idx="10"/>
-          </p:nvPr>
-        </p:nvSpPr>
-        <p:spPr/>
-        <p:txBody>
-          <a:bodyPr/>
-          <a:lstStyle/>
-          <a:p>
-            <a:fld id="{3560C2FB-C494-1A46-A471-884A4E75440F}" type="slidenum">
-              <a:rPr lang="en-US" smtClean="0"/>
-              <a:pPr/>
-              <a:t>10</a:t>
-            </a:fld>
-            <a:endParaRPr lang="en-US" dirty="0"/>
-          </a:p>
-        </p:txBody>
-      </p:sp>
-    </p:spTree>
-    <p:extLst>
-      <p:ext uri="{BB962C8B-B14F-4D97-AF65-F5344CB8AC3E}">
-        <p14:creationId xmlns:p14="http://schemas.microsoft.com/office/powerpoint/2010/main" val="1443086944"/>
+        <p14:creationId xmlns:p14="http://schemas.microsoft.com/office/powerpoint/2010/main" xmlns:p="http://schemas.openxmlformats.org/presentationml/2006/main" xmlns:r="http://schemas.openxmlformats.org/officeDocument/2006/relationships" xmlns:a="http://schemas.openxmlformats.org/drawingml/2006/main" xmlns="" val="1443086944"/>
       </p:ext>
     </p:extLst>
   </p:cSld>
@@ -1822,7 +1478,7 @@
 </file>
 
 <file path=ppt/slideLayouts/slideLayout1.xml><?xml version="1.0" encoding="utf-8"?>
-<p:sldLayout xmlns:a="http://schemas.openxmlformats.org/drawingml/2006/main" xmlns:r="http://schemas.openxmlformats.org/officeDocument/2006/relationships" xmlns:p="http://schemas.openxmlformats.org/presentationml/2006/main" type="title" preserve="1">
+<p:sldLayout xmlns:a="http://schemas.openxmlformats.org/drawingml/2006/main" xmlns:r="http://schemas.openxmlformats.org/officeDocument/2006/relationships" xmlns:mc="http://schemas.openxmlformats.org/markup-compatibility/2006" xmlns:mv="urn:schemas-microsoft-com:mac:vml" xmlns:p="http://schemas.openxmlformats.org/presentationml/2006/main" mc:Ignorable="mv" mc:PreserveAttributes="mv:*" type="title" preserve="1">
   <p:cSld name="Title Slide">
     <p:bg>
       <p:bgPr>
@@ -2046,7 +1702,7 @@
 </file>
 
 <file path=ppt/slideLayouts/slideLayout10.xml><?xml version="1.0" encoding="utf-8"?>
-<p:sldLayout xmlns:a="http://schemas.openxmlformats.org/drawingml/2006/main" xmlns:r="http://schemas.openxmlformats.org/officeDocument/2006/relationships" xmlns:p="http://schemas.openxmlformats.org/presentationml/2006/main" preserve="1" userDrawn="1">
+<p:sldLayout xmlns:a="http://schemas.openxmlformats.org/drawingml/2006/main" xmlns:r="http://schemas.openxmlformats.org/officeDocument/2006/relationships" xmlns:mc="http://schemas.openxmlformats.org/markup-compatibility/2006" xmlns:mv="urn:schemas-microsoft-com:mac:vml" xmlns:p="http://schemas.openxmlformats.org/presentationml/2006/main" mc:Ignorable="mv" mc:PreserveAttributes="mv:*" preserve="1" userDrawn="1">
   <p:cSld name="Impact Slide - Pink">
     <p:bg>
       <p:bgPr>
@@ -2119,7 +1775,7 @@
 </file>
 
 <file path=ppt/slideLayouts/slideLayout11.xml><?xml version="1.0" encoding="utf-8"?>
-<p:sldLayout xmlns:a="http://schemas.openxmlformats.org/drawingml/2006/main" xmlns:r="http://schemas.openxmlformats.org/officeDocument/2006/relationships" xmlns:p="http://schemas.openxmlformats.org/presentationml/2006/main" preserve="1" userDrawn="1">
+<p:sldLayout xmlns:a="http://schemas.openxmlformats.org/drawingml/2006/main" xmlns:r="http://schemas.openxmlformats.org/officeDocument/2006/relationships" xmlns:mc="http://schemas.openxmlformats.org/markup-compatibility/2006" xmlns:mv="urn:schemas-microsoft-com:mac:vml" xmlns:p="http://schemas.openxmlformats.org/presentationml/2006/main" mc:Ignorable="mv" mc:PreserveAttributes="mv:*" preserve="1" userDrawn="1">
   <p:cSld name="Quote Slide - Neutral">
     <p:bg>
       <p:bgPr>
@@ -2278,7 +1934,7 @@
 </file>
 
 <file path=ppt/slideLayouts/slideLayout12.xml><?xml version="1.0" encoding="utf-8"?>
-<p:sldLayout xmlns:a="http://schemas.openxmlformats.org/drawingml/2006/main" xmlns:r="http://schemas.openxmlformats.org/officeDocument/2006/relationships" xmlns:p="http://schemas.openxmlformats.org/presentationml/2006/main" preserve="1" userDrawn="1">
+<p:sldLayout xmlns:a="http://schemas.openxmlformats.org/drawingml/2006/main" xmlns:r="http://schemas.openxmlformats.org/officeDocument/2006/relationships" xmlns:mc="http://schemas.openxmlformats.org/markup-compatibility/2006" xmlns:mv="urn:schemas-microsoft-com:mac:vml" xmlns:p="http://schemas.openxmlformats.org/presentationml/2006/main" mc:Ignorable="mv" mc:PreserveAttributes="mv:*" preserve="1" userDrawn="1">
   <p:cSld name="Quote Slide - Teal">
     <p:bg>
       <p:bgPr>
@@ -2431,7 +2087,7 @@
 </file>
 
 <file path=ppt/slideLayouts/slideLayout13.xml><?xml version="1.0" encoding="utf-8"?>
-<p:sldLayout xmlns:a="http://schemas.openxmlformats.org/drawingml/2006/main" xmlns:r="http://schemas.openxmlformats.org/officeDocument/2006/relationships" xmlns:p="http://schemas.openxmlformats.org/presentationml/2006/main" preserve="1" userDrawn="1">
+<p:sldLayout xmlns:a="http://schemas.openxmlformats.org/drawingml/2006/main" xmlns:r="http://schemas.openxmlformats.org/officeDocument/2006/relationships" xmlns:mc="http://schemas.openxmlformats.org/markup-compatibility/2006" xmlns:mv="urn:schemas-microsoft-com:mac:vml" xmlns:p="http://schemas.openxmlformats.org/presentationml/2006/main" mc:Ignorable="mv" mc:PreserveAttributes="mv:*" preserve="1" userDrawn="1">
   <p:cSld name="Quote Slide - Green">
     <p:bg>
       <p:bgPr>
@@ -2584,7 +2240,7 @@
 </file>
 
 <file path=ppt/slideLayouts/slideLayout14.xml><?xml version="1.0" encoding="utf-8"?>
-<p:sldLayout xmlns:a="http://schemas.openxmlformats.org/drawingml/2006/main" xmlns:r="http://schemas.openxmlformats.org/officeDocument/2006/relationships" xmlns:p="http://schemas.openxmlformats.org/presentationml/2006/main" preserve="1" userDrawn="1">
+<p:sldLayout xmlns:a="http://schemas.openxmlformats.org/drawingml/2006/main" xmlns:r="http://schemas.openxmlformats.org/officeDocument/2006/relationships" xmlns:mc="http://schemas.openxmlformats.org/markup-compatibility/2006" xmlns:mv="urn:schemas-microsoft-com:mac:vml" xmlns:p="http://schemas.openxmlformats.org/presentationml/2006/main" mc:Ignorable="mv" mc:PreserveAttributes="mv:*" preserve="1" userDrawn="1">
   <p:cSld name="Orange Quote Slide">
     <p:bg>
       <p:bgPr>
@@ -2737,7 +2393,7 @@
 </file>
 
 <file path=ppt/slideLayouts/slideLayout15.xml><?xml version="1.0" encoding="utf-8"?>
-<p:sldLayout xmlns:a="http://schemas.openxmlformats.org/drawingml/2006/main" xmlns:r="http://schemas.openxmlformats.org/officeDocument/2006/relationships" xmlns:p="http://schemas.openxmlformats.org/presentationml/2006/main" preserve="1" userDrawn="1">
+<p:sldLayout xmlns:a="http://schemas.openxmlformats.org/drawingml/2006/main" xmlns:r="http://schemas.openxmlformats.org/officeDocument/2006/relationships" xmlns:mc="http://schemas.openxmlformats.org/markup-compatibility/2006" xmlns:mv="urn:schemas-microsoft-com:mac:vml" xmlns:p="http://schemas.openxmlformats.org/presentationml/2006/main" mc:Ignorable="mv" mc:PreserveAttributes="mv:*" preserve="1" userDrawn="1">
   <p:cSld name="Quote Slide - Pink">
     <p:bg>
       <p:bgPr>
@@ -2890,7 +2546,7 @@
 </file>
 
 <file path=ppt/slideLayouts/slideLayout16.xml><?xml version="1.0" encoding="utf-8"?>
-<p:sldLayout xmlns:a="http://schemas.openxmlformats.org/drawingml/2006/main" xmlns:r="http://schemas.openxmlformats.org/officeDocument/2006/relationships" xmlns:p="http://schemas.openxmlformats.org/presentationml/2006/main" preserve="1" userDrawn="1">
+<p:sldLayout xmlns:a="http://schemas.openxmlformats.org/drawingml/2006/main" xmlns:r="http://schemas.openxmlformats.org/officeDocument/2006/relationships" xmlns:mc="http://schemas.openxmlformats.org/markup-compatibility/2006" xmlns:mv="urn:schemas-microsoft-com:mac:vml" xmlns:p="http://schemas.openxmlformats.org/presentationml/2006/main" mc:Ignorable="mv" mc:PreserveAttributes="mv:*" preserve="1" userDrawn="1">
   <p:cSld name="Thank You - Teal">
     <p:bg>
       <p:bgPr>
@@ -3021,7 +2677,7 @@
 </file>
 
 <file path=ppt/slideLayouts/slideLayout17.xml><?xml version="1.0" encoding="utf-8"?>
-<p:sldLayout xmlns:a="http://schemas.openxmlformats.org/drawingml/2006/main" xmlns:r="http://schemas.openxmlformats.org/officeDocument/2006/relationships" xmlns:p="http://schemas.openxmlformats.org/presentationml/2006/main" preserve="1" userDrawn="1">
+<p:sldLayout xmlns:a="http://schemas.openxmlformats.org/drawingml/2006/main" xmlns:r="http://schemas.openxmlformats.org/officeDocument/2006/relationships" xmlns:mc="http://schemas.openxmlformats.org/markup-compatibility/2006" xmlns:mv="urn:schemas-microsoft-com:mac:vml" xmlns:p="http://schemas.openxmlformats.org/presentationml/2006/main" mc:Ignorable="mv" mc:PreserveAttributes="mv:*" preserve="1" userDrawn="1">
   <p:cSld name="Thank You - Green">
     <p:bg>
       <p:bgPr>
@@ -3152,7 +2808,7 @@
 </file>
 
 <file path=ppt/slideLayouts/slideLayout18.xml><?xml version="1.0" encoding="utf-8"?>
-<p:sldLayout xmlns:a="http://schemas.openxmlformats.org/drawingml/2006/main" xmlns:r="http://schemas.openxmlformats.org/officeDocument/2006/relationships" xmlns:p="http://schemas.openxmlformats.org/presentationml/2006/main" userDrawn="1">
+<p:sldLayout xmlns:a="http://schemas.openxmlformats.org/drawingml/2006/main" xmlns:r="http://schemas.openxmlformats.org/officeDocument/2006/relationships" xmlns:mc="http://schemas.openxmlformats.org/markup-compatibility/2006" xmlns:mv="urn:schemas-microsoft-com:mac:vml" xmlns:p="http://schemas.openxmlformats.org/presentationml/2006/main" mc:Ignorable="mv" mc:PreserveAttributes="mv:*" userDrawn="1">
   <p:cSld name="Thank You - Orange">
     <p:bg>
       <p:bgPr>
@@ -3283,7 +2939,7 @@
 </file>
 
 <file path=ppt/slideLayouts/slideLayout19.xml><?xml version="1.0" encoding="utf-8"?>
-<p:sldLayout xmlns:a="http://schemas.openxmlformats.org/drawingml/2006/main" xmlns:r="http://schemas.openxmlformats.org/officeDocument/2006/relationships" xmlns:p="http://schemas.openxmlformats.org/presentationml/2006/main" userDrawn="1">
+<p:sldLayout xmlns:a="http://schemas.openxmlformats.org/drawingml/2006/main" xmlns:r="http://schemas.openxmlformats.org/officeDocument/2006/relationships" xmlns:mc="http://schemas.openxmlformats.org/markup-compatibility/2006" xmlns:mv="urn:schemas-microsoft-com:mac:vml" xmlns:p="http://schemas.openxmlformats.org/presentationml/2006/main" mc:Ignorable="mv" mc:PreserveAttributes="mv:*" userDrawn="1">
   <p:cSld name="Thank You - Pink">
     <p:bg>
       <p:bgPr>
@@ -3414,7 +3070,7 @@
 </file>
 
 <file path=ppt/slideLayouts/slideLayout2.xml><?xml version="1.0" encoding="utf-8"?>
-<p:sldLayout xmlns:a="http://schemas.openxmlformats.org/drawingml/2006/main" xmlns:r="http://schemas.openxmlformats.org/officeDocument/2006/relationships" xmlns:p="http://schemas.openxmlformats.org/presentationml/2006/main" preserve="1" userDrawn="1">
+<p:sldLayout xmlns:a="http://schemas.openxmlformats.org/drawingml/2006/main" xmlns:r="http://schemas.openxmlformats.org/officeDocument/2006/relationships" xmlns:mc="http://schemas.openxmlformats.org/markup-compatibility/2006" xmlns:mv="urn:schemas-microsoft-com:mac:vml" xmlns:p="http://schemas.openxmlformats.org/presentationml/2006/main" mc:Ignorable="mv" mc:PreserveAttributes="mv:*" preserve="1" userDrawn="1">
   <p:cSld name="Title and Single Element">
     <p:spTree>
       <p:nvGrpSpPr>
@@ -3745,7 +3401,7 @@
 </file>
 
 <file path=ppt/slideLayouts/slideLayout3.xml><?xml version="1.0" encoding="utf-8"?>
-<p:sldLayout xmlns:a="http://schemas.openxmlformats.org/drawingml/2006/main" xmlns:r="http://schemas.openxmlformats.org/officeDocument/2006/relationships" xmlns:p="http://schemas.openxmlformats.org/presentationml/2006/main" preserve="1" userDrawn="1">
+<p:sldLayout xmlns:a="http://schemas.openxmlformats.org/drawingml/2006/main" xmlns:r="http://schemas.openxmlformats.org/officeDocument/2006/relationships" xmlns:mc="http://schemas.openxmlformats.org/markup-compatibility/2006" xmlns:mv="urn:schemas-microsoft-com:mac:vml" xmlns:p="http://schemas.openxmlformats.org/presentationml/2006/main" mc:Ignorable="mv" mc:PreserveAttributes="mv:*" preserve="1" userDrawn="1">
   <p:cSld name="Title and Two Element">
     <p:spTree>
       <p:nvGrpSpPr>
@@ -4137,7 +3793,7 @@
 </file>
 
 <file path=ppt/slideLayouts/slideLayout4.xml><?xml version="1.0" encoding="utf-8"?>
-<p:sldLayout xmlns:a="http://schemas.openxmlformats.org/drawingml/2006/main" xmlns:r="http://schemas.openxmlformats.org/officeDocument/2006/relationships" xmlns:p="http://schemas.openxmlformats.org/presentationml/2006/main" preserve="1" userDrawn="1">
+<p:sldLayout xmlns:a="http://schemas.openxmlformats.org/drawingml/2006/main" xmlns:r="http://schemas.openxmlformats.org/officeDocument/2006/relationships" xmlns:mc="http://schemas.openxmlformats.org/markup-compatibility/2006" xmlns:mv="urn:schemas-microsoft-com:mac:vml" xmlns:p="http://schemas.openxmlformats.org/presentationml/2006/main" mc:Ignorable="mv" mc:PreserveAttributes="mv:*" preserve="1" userDrawn="1">
   <p:cSld name="Title Only and Blank">
     <p:spTree>
       <p:nvGrpSpPr>
@@ -4411,7 +4067,7 @@
 </file>
 
 <file path=ppt/slideLayouts/slideLayout5.xml><?xml version="1.0" encoding="utf-8"?>
-<p:sldLayout xmlns:a="http://schemas.openxmlformats.org/drawingml/2006/main" xmlns:r="http://schemas.openxmlformats.org/officeDocument/2006/relationships" xmlns:p="http://schemas.openxmlformats.org/presentationml/2006/main" userDrawn="1">
+<p:sldLayout xmlns:a="http://schemas.openxmlformats.org/drawingml/2006/main" xmlns:r="http://schemas.openxmlformats.org/officeDocument/2006/relationships" xmlns:mc="http://schemas.openxmlformats.org/markup-compatibility/2006" xmlns:mv="urn:schemas-microsoft-com:mac:vml" xmlns:p="http://schemas.openxmlformats.org/presentationml/2006/main" mc:Ignorable="mv" mc:PreserveAttributes="mv:*" userDrawn="1">
   <p:cSld name="Left Text and Right Image">
     <p:spTree>
       <p:nvGrpSpPr>
@@ -4772,7 +4428,7 @@
 </file>
 
 <file path=ppt/slideLayouts/slideLayout6.xml><?xml version="1.0" encoding="utf-8"?>
-<p:sldLayout xmlns:a="http://schemas.openxmlformats.org/drawingml/2006/main" xmlns:r="http://schemas.openxmlformats.org/officeDocument/2006/relationships" xmlns:p="http://schemas.openxmlformats.org/presentationml/2006/main" preserve="1" userDrawn="1">
+<p:sldLayout xmlns:a="http://schemas.openxmlformats.org/drawingml/2006/main" xmlns:r="http://schemas.openxmlformats.org/officeDocument/2006/relationships" xmlns:mc="http://schemas.openxmlformats.org/markup-compatibility/2006" xmlns:mv="urn:schemas-microsoft-com:mac:vml" xmlns:p="http://schemas.openxmlformats.org/presentationml/2006/main" mc:Ignorable="mv" mc:PreserveAttributes="mv:*" preserve="1" userDrawn="1">
   <p:cSld name="Left Image and Right Text">
     <p:spTree>
       <p:nvGrpSpPr>
@@ -5133,7 +4789,7 @@
 </file>
 
 <file path=ppt/slideLayouts/slideLayout7.xml><?xml version="1.0" encoding="utf-8"?>
-<p:sldLayout xmlns:a="http://schemas.openxmlformats.org/drawingml/2006/main" xmlns:r="http://schemas.openxmlformats.org/officeDocument/2006/relationships" xmlns:p="http://schemas.openxmlformats.org/presentationml/2006/main" preserve="1" userDrawn="1">
+<p:sldLayout xmlns:a="http://schemas.openxmlformats.org/drawingml/2006/main" xmlns:r="http://schemas.openxmlformats.org/officeDocument/2006/relationships" xmlns:mc="http://schemas.openxmlformats.org/markup-compatibility/2006" xmlns:mv="urn:schemas-microsoft-com:mac:vml" xmlns:p="http://schemas.openxmlformats.org/presentationml/2006/main" mc:Ignorable="mv" mc:PreserveAttributes="mv:*" preserve="1" userDrawn="1">
   <p:cSld name="Impact Slide - Teal">
     <p:bg>
       <p:bgPr>
@@ -5228,7 +4884,7 @@
 </file>
 
 <file path=ppt/slideLayouts/slideLayout8.xml><?xml version="1.0" encoding="utf-8"?>
-<p:sldLayout xmlns:a="http://schemas.openxmlformats.org/drawingml/2006/main" xmlns:r="http://schemas.openxmlformats.org/officeDocument/2006/relationships" xmlns:p="http://schemas.openxmlformats.org/presentationml/2006/main" preserve="1" userDrawn="1">
+<p:sldLayout xmlns:a="http://schemas.openxmlformats.org/drawingml/2006/main" xmlns:r="http://schemas.openxmlformats.org/officeDocument/2006/relationships" xmlns:mc="http://schemas.openxmlformats.org/markup-compatibility/2006" xmlns:mv="urn:schemas-microsoft-com:mac:vml" xmlns:p="http://schemas.openxmlformats.org/presentationml/2006/main" mc:Ignorable="mv" mc:PreserveAttributes="mv:*" preserve="1" userDrawn="1">
   <p:cSld name="Impact Slide - Green">
     <p:bg>
       <p:bgPr>
@@ -5323,7 +4979,7 @@
 </file>
 
 <file path=ppt/slideLayouts/slideLayout9.xml><?xml version="1.0" encoding="utf-8"?>
-<p:sldLayout xmlns:a="http://schemas.openxmlformats.org/drawingml/2006/main" xmlns:r="http://schemas.openxmlformats.org/officeDocument/2006/relationships" xmlns:p="http://schemas.openxmlformats.org/presentationml/2006/main" preserve="1" userDrawn="1">
+<p:sldLayout xmlns:a="http://schemas.openxmlformats.org/drawingml/2006/main" xmlns:r="http://schemas.openxmlformats.org/officeDocument/2006/relationships" xmlns:mc="http://schemas.openxmlformats.org/markup-compatibility/2006" xmlns:mv="urn:schemas-microsoft-com:mac:vml" xmlns:p="http://schemas.openxmlformats.org/presentationml/2006/main" mc:Ignorable="mv" mc:PreserveAttributes="mv:*" preserve="1" userDrawn="1">
   <p:cSld name="Impact Slide - Orange">
     <p:bg>
       <p:bgPr>
@@ -5418,7 +5074,7 @@
 </file>
 
 <file path=ppt/slideMasters/slideMaster1.xml><?xml version="1.0" encoding="utf-8"?>
-<p:sldMaster xmlns:a="http://schemas.openxmlformats.org/drawingml/2006/main" xmlns:r="http://schemas.openxmlformats.org/officeDocument/2006/relationships" xmlns:p="http://schemas.openxmlformats.org/presentationml/2006/main">
+<p:sldMaster xmlns:a="http://schemas.openxmlformats.org/drawingml/2006/main" xmlns:r="http://schemas.openxmlformats.org/officeDocument/2006/relationships" xmlns:mc="http://schemas.openxmlformats.org/markup-compatibility/2006" xmlns:mv="urn:schemas-microsoft-com:mac:vml" xmlns:p="http://schemas.openxmlformats.org/presentationml/2006/main" mc:Ignorable="mv" mc:PreserveAttributes="mv:*">
   <p:cSld>
     <p:bg>
       <p:bgPr>
@@ -6040,7 +5696,7 @@
 </file>
 
 <file path=ppt/slides/slide1.xml><?xml version="1.0" encoding="utf-8"?>
-<p:sld xmlns:a="http://schemas.openxmlformats.org/drawingml/2006/main" xmlns:r="http://schemas.openxmlformats.org/officeDocument/2006/relationships" xmlns:p="http://schemas.openxmlformats.org/presentationml/2006/main">
+<p:sld xmlns:a="http://schemas.openxmlformats.org/drawingml/2006/main" xmlns:r="http://schemas.openxmlformats.org/officeDocument/2006/relationships" xmlns:mc="http://schemas.openxmlformats.org/markup-compatibility/2006" xmlns:mv="urn:schemas-microsoft-com:mac:vml" xmlns:p="http://schemas.openxmlformats.org/presentationml/2006/main" mc:Ignorable="mv" mc:PreserveAttributes="mv:*">
   <p:cSld>
     <p:spTree>
       <p:nvGrpSpPr>
@@ -6074,11 +5730,7 @@
             <a:pPr lvl="0"/>
             <a:r>
               <a:rPr lang="en-US" sz="6600" dirty="0" smtClean="0"/>
-              <a:t>Understanding </a:t>
-            </a:r>
-            <a:r>
-              <a:rPr lang="en-US" sz="6600" dirty="0" smtClean="0"/>
-              <a:t>Read Methods</a:t>
+              <a:t>Understanding Read Methods</a:t>
             </a:r>
             <a:endParaRPr lang="en-US" sz="6600" dirty="0"/>
           </a:p>
@@ -6124,28 +5776,28 @@
     </p:spTree>
     <p:extLst>
       <p:ext uri="{BB962C8B-B14F-4D97-AF65-F5344CB8AC3E}">
-        <p14:creationId xmlns:p14="http://schemas.microsoft.com/office/powerpoint/2010/main" val="2352184382"/>
+        <p14:creationId xmlns:p14="http://schemas.microsoft.com/office/powerpoint/2010/main" xmlns:p="http://schemas.openxmlformats.org/presentationml/2006/main" xmlns:r="http://schemas.openxmlformats.org/officeDocument/2006/relationships" xmlns:a="http://schemas.openxmlformats.org/drawingml/2006/main" xmlns="" val="2352184382"/>
       </p:ext>
     </p:extLst>
   </p:cSld>
   <p:clrMapOvr>
     <a:masterClrMapping/>
   </p:clrMapOvr>
-  <p:transition xmlns:p14="http://schemas.microsoft.com/office/powerpoint/2010/main" spd="med">
+  <p:transition spd="med">
     <p:fade/>
   </p:transition>
   <p:timing>
     <p:tnLst>
       <p:par>
-        <p:cTn xmlns:p14="http://schemas.microsoft.com/office/powerpoint/2010/main" id="1" dur="indefinite" restart="never" nodeType="tmRoot"/>
+        <p:cTn id="1" dur="indefinite" restart="never" nodeType="tmRoot"/>
       </p:par>
     </p:tnLst>
   </p:timing>
 </p:sld>
 </file>
 
-<file path=ppt/slides/slide10.xml><?xml version="1.0" encoding="utf-8"?>
-<p:sld xmlns:a="http://schemas.openxmlformats.org/drawingml/2006/main" xmlns:r="http://schemas.openxmlformats.org/officeDocument/2006/relationships" xmlns:p="http://schemas.openxmlformats.org/presentationml/2006/main">
+<file path=ppt/slides/slide2.xml><?xml version="1.0" encoding="utf-8"?>
+<p:sld xmlns:a="http://schemas.openxmlformats.org/drawingml/2006/main" xmlns:r="http://schemas.openxmlformats.org/officeDocument/2006/relationships" xmlns:mc="http://schemas.openxmlformats.org/markup-compatibility/2006" xmlns:mv="urn:schemas-microsoft-com:mac:vml" xmlns:p="http://schemas.openxmlformats.org/presentationml/2006/main" mc:Ignorable="mv" mc:PreserveAttributes="mv:*">
   <p:cSld>
     <p:spTree>
       <p:nvGrpSpPr>
@@ -6163,128 +5815,6 @@
       </p:grpSpPr>
       <p:sp>
         <p:nvSpPr>
-          <p:cNvPr id="3" name="Text Placeholder 2"/>
-          <p:cNvSpPr>
-            <a:spLocks noGrp="1"/>
-          </p:cNvSpPr>
-          <p:nvPr>
-            <p:ph type="body" sz="quarter" idx="11"/>
-          </p:nvPr>
-        </p:nvSpPr>
-        <p:spPr/>
-        <p:txBody>
-          <a:bodyPr/>
-          <a:lstStyle/>
-          <a:p>
-            <a:r>
-              <a:rPr lang="en-US" sz="4700" dirty="0"/>
-              <a:t>Thank you</a:t>
-            </a:r>
-          </a:p>
-        </p:txBody>
-      </p:sp>
-      <p:sp>
-        <p:nvSpPr>
-          <p:cNvPr id="5" name="Text Placeholder 4"/>
-          <p:cNvSpPr>
-            <a:spLocks noGrp="1"/>
-          </p:cNvSpPr>
-          <p:nvPr>
-            <p:ph type="body" sz="quarter" idx="12"/>
-          </p:nvPr>
-        </p:nvSpPr>
-        <p:spPr/>
-        <p:txBody>
-          <a:bodyPr/>
-          <a:lstStyle/>
-          <a:p>
-            <a:r>
-              <a:rPr lang="en-US" dirty="0" smtClean="0"/>
-              <a:t>Brightcove Learning</a:t>
-            </a:r>
-            <a:endParaRPr lang="en-US" dirty="0"/>
-          </a:p>
-        </p:txBody>
-      </p:sp>
-      <p:sp>
-        <p:nvSpPr>
-          <p:cNvPr id="4" name="Slide Number Placeholder 3"/>
-          <p:cNvSpPr>
-            <a:spLocks noGrp="1"/>
-          </p:cNvSpPr>
-          <p:nvPr>
-            <p:ph type="sldNum" sz="quarter" idx="4294967295"/>
-          </p:nvPr>
-        </p:nvSpPr>
-        <p:spPr>
-          <a:xfrm>
-            <a:off x="1" y="9253119"/>
-            <a:ext cx="812230" cy="403878"/>
-          </a:xfrm>
-          <a:prstGeom prst="rect">
-            <a:avLst/>
-          </a:prstGeom>
-        </p:spPr>
-        <p:txBody>
-          <a:bodyPr/>
-          <a:lstStyle/>
-          <a:p>
-            <a:pPr>
-              <a:defRPr/>
-            </a:pPr>
-            <a:fld id="{E089BD15-BC77-46D6-86B9-64976AF1A8F1}" type="slidenum">
-              <a:rPr lang="en-US" smtClean="0"/>
-              <a:pPr>
-                <a:defRPr/>
-              </a:pPr>
-              <a:t>10</a:t>
-            </a:fld>
-            <a:endParaRPr lang="en-US" dirty="0"/>
-          </a:p>
-        </p:txBody>
-      </p:sp>
-    </p:spTree>
-    <p:extLst>
-      <p:ext uri="{BB962C8B-B14F-4D97-AF65-F5344CB8AC3E}">
-        <p14:creationId xmlns:p14="http://schemas.microsoft.com/office/powerpoint/2010/main" val="3700295984"/>
-      </p:ext>
-    </p:extLst>
-  </p:cSld>
-  <p:clrMapOvr>
-    <a:masterClrMapping/>
-  </p:clrMapOvr>
-  <p:transition xmlns:p14="http://schemas.microsoft.com/office/powerpoint/2010/main" spd="med">
-    <p:fade/>
-  </p:transition>
-  <p:timing>
-    <p:tnLst>
-      <p:par>
-        <p:cTn xmlns:p14="http://schemas.microsoft.com/office/powerpoint/2010/main" id="1" dur="indefinite" restart="never" nodeType="tmRoot"/>
-      </p:par>
-    </p:tnLst>
-  </p:timing>
-</p:sld>
-</file>
-
-<file path=ppt/slides/slide2.xml><?xml version="1.0" encoding="utf-8"?>
-<p:sld xmlns:a="http://schemas.openxmlformats.org/drawingml/2006/main" xmlns:r="http://schemas.openxmlformats.org/officeDocument/2006/relationships" xmlns:p="http://schemas.openxmlformats.org/presentationml/2006/main">
-  <p:cSld>
-    <p:spTree>
-      <p:nvGrpSpPr>
-        <p:cNvPr id="1" name=""/>
-        <p:cNvGrpSpPr/>
-        <p:nvPr/>
-      </p:nvGrpSpPr>
-      <p:grpSpPr>
-        <a:xfrm>
-          <a:off x="0" y="0"/>
-          <a:ext cx="0" cy="0"/>
-          <a:chOff x="0" y="0"/>
-          <a:chExt cx="0" cy="0"/>
-        </a:xfrm>
-      </p:grpSpPr>
-      <p:sp>
-        <p:nvSpPr>
           <p:cNvPr id="27649" name="Slide Number Placeholder 4"/>
           <p:cNvSpPr txBox="1">
             <a:spLocks noGrp="1"/>
@@ -6305,14 +5835,14 @@
           </a:ln>
           <a:extLst>
             <a:ext uri="{909E8E84-426E-40dd-AFC4-6F175D3DCCD1}">
-              <a14:hiddenFill xmlns:a14="http://schemas.microsoft.com/office/drawing/2010/main">
+              <a14:hiddenFill xmlns:a14="http://schemas.microsoft.com/office/drawing/2010/main" xmlns:p="http://schemas.openxmlformats.org/presentationml/2006/main" xmlns:r="http://schemas.openxmlformats.org/officeDocument/2006/relationships" xmlns:a="http://schemas.openxmlformats.org/drawingml/2006/main" xmlns="">
                 <a:solidFill>
                   <a:srgbClr val="FFFFFF"/>
                 </a:solidFill>
               </a14:hiddenFill>
             </a:ext>
             <a:ext uri="{91240B29-F687-4f45-9708-019B960494DF}">
-              <a14:hiddenLine xmlns:a14="http://schemas.microsoft.com/office/drawing/2010/main" w="9525">
+              <a14:hiddenLine xmlns:a14="http://schemas.microsoft.com/office/drawing/2010/main" xmlns:p="http://schemas.openxmlformats.org/presentationml/2006/main" xmlns:r="http://schemas.openxmlformats.org/officeDocument/2006/relationships" xmlns:a="http://schemas.openxmlformats.org/drawingml/2006/main" xmlns="" w="9525">
                 <a:solidFill>
                   <a:srgbClr val="000000"/>
                 </a:solidFill>
@@ -6586,20 +6116,20 @@
     </p:spTree>
     <p:extLst>
       <p:ext uri="{BB962C8B-B14F-4D97-AF65-F5344CB8AC3E}">
-        <p14:creationId xmlns:p14="http://schemas.microsoft.com/office/powerpoint/2010/main" val="111193511"/>
+        <p14:creationId xmlns:p14="http://schemas.microsoft.com/office/powerpoint/2010/main" xmlns:p="http://schemas.openxmlformats.org/presentationml/2006/main" xmlns:r="http://schemas.openxmlformats.org/officeDocument/2006/relationships" xmlns:a="http://schemas.openxmlformats.org/drawingml/2006/main" xmlns="" val="111193511"/>
       </p:ext>
     </p:extLst>
   </p:cSld>
   <p:clrMapOvr>
     <a:masterClrMapping/>
   </p:clrMapOvr>
-  <p:transition xmlns:p14="http://schemas.microsoft.com/office/powerpoint/2010/main">
+  <p:transition>
     <p:fade/>
   </p:transition>
   <p:timing>
     <p:tnLst>
       <p:par>
-        <p:cTn xmlns:p14="http://schemas.microsoft.com/office/powerpoint/2010/main" id="1" dur="indefinite" restart="never" nodeType="tmRoot">
+        <p:cTn id="1" dur="indefinite" restart="never" nodeType="tmRoot">
           <p:childTnLst>
             <p:seq concurrent="1" nextAc="seek">
               <p:cTn id="2" dur="indefinite" nodeType="mainSeq">
@@ -6950,7 +6480,7 @@
 </file>
 
 <file path=ppt/slides/slide3.xml><?xml version="1.0" encoding="utf-8"?>
-<p:sld xmlns:a="http://schemas.openxmlformats.org/drawingml/2006/main" xmlns:r="http://schemas.openxmlformats.org/officeDocument/2006/relationships" xmlns:p="http://schemas.openxmlformats.org/presentationml/2006/main">
+<p:sld xmlns:a="http://schemas.openxmlformats.org/drawingml/2006/main" xmlns:r="http://schemas.openxmlformats.org/officeDocument/2006/relationships" xmlns:mc="http://schemas.openxmlformats.org/markup-compatibility/2006" xmlns:mv="urn:schemas-microsoft-com:mac:vml" xmlns:p="http://schemas.openxmlformats.org/presentationml/2006/main" mc:Ignorable="mv" mc:PreserveAttributes="mv:*">
   <p:cSld>
     <p:spTree>
       <p:nvGrpSpPr>
@@ -6988,14 +6518,14 @@
           </a:ln>
           <a:extLst>
             <a:ext uri="{909E8E84-426E-40dd-AFC4-6F175D3DCCD1}">
-              <a14:hiddenFill xmlns:a14="http://schemas.microsoft.com/office/drawing/2010/main">
+              <a14:hiddenFill xmlns:a14="http://schemas.microsoft.com/office/drawing/2010/main" xmlns:p="http://schemas.openxmlformats.org/presentationml/2006/main" xmlns:r="http://schemas.openxmlformats.org/officeDocument/2006/relationships" xmlns:a="http://schemas.openxmlformats.org/drawingml/2006/main" xmlns="">
                 <a:solidFill>
                   <a:srgbClr val="FFFFFF"/>
                 </a:solidFill>
               </a14:hiddenFill>
             </a:ext>
             <a:ext uri="{91240B29-F687-4f45-9708-019B960494DF}">
-              <a14:hiddenLine xmlns:a14="http://schemas.microsoft.com/office/drawing/2010/main" w="9525">
+              <a14:hiddenLine xmlns:a14="http://schemas.microsoft.com/office/drawing/2010/main" xmlns:p="http://schemas.openxmlformats.org/presentationml/2006/main" xmlns:r="http://schemas.openxmlformats.org/officeDocument/2006/relationships" xmlns:a="http://schemas.openxmlformats.org/drawingml/2006/main" xmlns="" w="9525">
                 <a:solidFill>
                   <a:srgbClr val="000000"/>
                 </a:solidFill>
@@ -7465,20 +6995,20 @@
     </p:spTree>
     <p:extLst>
       <p:ext uri="{BB962C8B-B14F-4D97-AF65-F5344CB8AC3E}">
-        <p14:creationId xmlns:p14="http://schemas.microsoft.com/office/powerpoint/2010/main" val="1001420708"/>
+        <p14:creationId xmlns:p14="http://schemas.microsoft.com/office/powerpoint/2010/main" xmlns:p="http://schemas.openxmlformats.org/presentationml/2006/main" xmlns:r="http://schemas.openxmlformats.org/officeDocument/2006/relationships" xmlns:a="http://schemas.openxmlformats.org/drawingml/2006/main" xmlns="" val="1001420708"/>
       </p:ext>
     </p:extLst>
   </p:cSld>
   <p:clrMapOvr>
     <a:masterClrMapping/>
   </p:clrMapOvr>
-  <p:transition xmlns:p14="http://schemas.microsoft.com/office/powerpoint/2010/main">
+  <p:transition>
     <p:fade/>
   </p:transition>
   <p:timing>
     <p:tnLst>
       <p:par>
-        <p:cTn xmlns:p14="http://schemas.microsoft.com/office/powerpoint/2010/main" id="1" dur="indefinite" restart="never" nodeType="tmRoot"/>
+        <p:cTn id="1" dur="indefinite" restart="never" nodeType="tmRoot"/>
       </p:par>
     </p:tnLst>
   </p:timing>
@@ -7486,7 +7016,7 @@
 </file>
 
 <file path=ppt/slides/slide4.xml><?xml version="1.0" encoding="utf-8"?>
-<p:sld xmlns:a="http://schemas.openxmlformats.org/drawingml/2006/main" xmlns:r="http://schemas.openxmlformats.org/officeDocument/2006/relationships" xmlns:p="http://schemas.openxmlformats.org/presentationml/2006/main">
+<p:sld xmlns:a="http://schemas.openxmlformats.org/drawingml/2006/main" xmlns:r="http://schemas.openxmlformats.org/officeDocument/2006/relationships" xmlns:mc="http://schemas.openxmlformats.org/markup-compatibility/2006" xmlns:mv="urn:schemas-microsoft-com:mac:vml" xmlns:p="http://schemas.openxmlformats.org/presentationml/2006/main" mc:Ignorable="mv" mc:PreserveAttributes="mv:*">
   <p:cSld>
     <p:spTree>
       <p:nvGrpSpPr>
@@ -7524,14 +7054,14 @@
           </a:ln>
           <a:extLst>
             <a:ext uri="{909E8E84-426E-40dd-AFC4-6F175D3DCCD1}">
-              <a14:hiddenFill xmlns:a14="http://schemas.microsoft.com/office/drawing/2010/main">
+              <a14:hiddenFill xmlns:a14="http://schemas.microsoft.com/office/drawing/2010/main" xmlns:p="http://schemas.openxmlformats.org/presentationml/2006/main" xmlns:r="http://schemas.openxmlformats.org/officeDocument/2006/relationships" xmlns:a="http://schemas.openxmlformats.org/drawingml/2006/main" xmlns="">
                 <a:solidFill>
                   <a:srgbClr val="FFFFFF"/>
                 </a:solidFill>
               </a14:hiddenFill>
             </a:ext>
             <a:ext uri="{91240B29-F687-4f45-9708-019B960494DF}">
-              <a14:hiddenLine xmlns:a14="http://schemas.microsoft.com/office/drawing/2010/main" w="9525">
+              <a14:hiddenLine xmlns:a14="http://schemas.microsoft.com/office/drawing/2010/main" xmlns:p="http://schemas.openxmlformats.org/presentationml/2006/main" xmlns:r="http://schemas.openxmlformats.org/officeDocument/2006/relationships" xmlns:a="http://schemas.openxmlformats.org/drawingml/2006/main" xmlns="" w="9525">
                 <a:solidFill>
                   <a:srgbClr val="000000"/>
                 </a:solidFill>
@@ -7687,7 +7217,7 @@
           <a:p>
             <a:pPr eaLnBrk="1" hangingPunct="1"/>
             <a:r>
-              <a:rPr lang="en-US">
+              <a:rPr lang="en-US" dirty="0">
                 <a:latin typeface="Arial" charset="0"/>
                 <a:ea typeface="ＭＳ Ｐゴシック" charset="0"/>
               </a:rPr>
@@ -7908,23 +7438,53 @@
           </a:p>
         </p:txBody>
       </p:sp>
+      <p:sp>
+        <p:nvSpPr>
+          <p:cNvPr id="6" name="TextBox 5"/>
+          <p:cNvSpPr txBox="1"/>
+          <p:nvPr/>
+        </p:nvSpPr>
+        <p:spPr>
+          <a:xfrm>
+            <a:off x="1321800" y="7723929"/>
+            <a:ext cx="21291142" cy="553998"/>
+          </a:xfrm>
+          <a:prstGeom prst="rect">
+            <a:avLst/>
+          </a:prstGeom>
+          <a:noFill/>
+        </p:spPr>
+        <p:txBody>
+          <a:bodyPr wrap="square" rtlCol="0">
+            <a:spAutoFit/>
+          </a:bodyPr>
+          <a:lstStyle/>
+          <a:p>
+            <a:r>
+              <a:rPr lang="en-US" dirty="0" smtClean="0"/>
+              <a:t>Unfiltered methods return active as well as inactive, unscheduled or deleted assets</a:t>
+            </a:r>
+            <a:endParaRPr lang="en-US" dirty="0"/>
+          </a:p>
+        </p:txBody>
+      </p:sp>
     </p:spTree>
     <p:extLst>
       <p:ext uri="{BB962C8B-B14F-4D97-AF65-F5344CB8AC3E}">
-        <p14:creationId xmlns:p14="http://schemas.microsoft.com/office/powerpoint/2010/main" val="485547501"/>
+        <p14:creationId xmlns:p14="http://schemas.microsoft.com/office/powerpoint/2010/main" xmlns:p="http://schemas.openxmlformats.org/presentationml/2006/main" xmlns:r="http://schemas.openxmlformats.org/officeDocument/2006/relationships" xmlns:a="http://schemas.openxmlformats.org/drawingml/2006/main" xmlns="" val="485547501"/>
       </p:ext>
     </p:extLst>
   </p:cSld>
   <p:clrMapOvr>
     <a:masterClrMapping/>
   </p:clrMapOvr>
-  <p:transition xmlns:p14="http://schemas.microsoft.com/office/powerpoint/2010/main">
+  <p:transition>
     <p:fade/>
   </p:transition>
   <p:timing>
     <p:tnLst>
       <p:par>
-        <p:cTn xmlns:p14="http://schemas.microsoft.com/office/powerpoint/2010/main" id="1" dur="indefinite" restart="never" nodeType="tmRoot"/>
+        <p:cTn id="1" dur="indefinite" restart="never" nodeType="tmRoot"/>
       </p:par>
     </p:tnLst>
   </p:timing>
@@ -7932,7 +7492,7 @@
 </file>
 
 <file path=ppt/slides/slide5.xml><?xml version="1.0" encoding="utf-8"?>
-<p:sld xmlns:a="http://schemas.openxmlformats.org/drawingml/2006/main" xmlns:r="http://schemas.openxmlformats.org/officeDocument/2006/relationships" xmlns:p="http://schemas.openxmlformats.org/presentationml/2006/main">
+<p:sld xmlns:a="http://schemas.openxmlformats.org/drawingml/2006/main" xmlns:r="http://schemas.openxmlformats.org/officeDocument/2006/relationships" xmlns:mc="http://schemas.openxmlformats.org/markup-compatibility/2006" xmlns:mv="urn:schemas-microsoft-com:mac:vml" xmlns:p="http://schemas.openxmlformats.org/presentationml/2006/main" mc:Ignorable="mv" mc:PreserveAttributes="mv:*">
   <p:cSld>
     <p:spTree>
       <p:nvGrpSpPr>
@@ -7969,12 +7529,30 @@
           <a:lstStyle/>
           <a:p>
             <a:r>
-              <a:rPr lang="en-US">
+              <a:rPr lang="en-US" dirty="0" smtClean="0">
+                <a:latin typeface="Arial" charset="0"/>
+                <a:ea typeface="ＭＳ Ｐゴシック" charset="0"/>
+              </a:rPr>
+              <a:t>The </a:t>
+            </a:r>
+            <a:r>
+              <a:rPr lang="en-US" dirty="0" err="1" smtClean="0">
                 <a:latin typeface="Arial" charset="0"/>
                 <a:ea typeface="ＭＳ Ｐゴシック" charset="0"/>
               </a:rPr>
               <a:t>search_videos</a:t>
             </a:r>
+            <a:r>
+              <a:rPr lang="en-US" dirty="0" smtClean="0">
+                <a:latin typeface="Arial" charset="0"/>
+                <a:ea typeface="ＭＳ Ｐゴシック" charset="0"/>
+              </a:rPr>
+              <a:t> method</a:t>
+            </a:r>
+            <a:endParaRPr lang="en-US" dirty="0">
+              <a:latin typeface="Arial" charset="0"/>
+              <a:ea typeface="ＭＳ Ｐゴシック" charset="0"/>
+            </a:endParaRPr>
           </a:p>
         </p:txBody>
       </p:sp>
@@ -8075,14 +7653,14 @@
           <a:noFill/>
           <a:extLst>
             <a:ext uri="{909E8E84-426E-40dd-AFC4-6F175D3DCCD1}">
-              <a14:hiddenFill xmlns:a14="http://schemas.microsoft.com/office/drawing/2010/main">
+              <a14:hiddenFill xmlns:a14="http://schemas.microsoft.com/office/drawing/2010/main" xmlns:p="http://schemas.openxmlformats.org/presentationml/2006/main" xmlns:r="http://schemas.openxmlformats.org/officeDocument/2006/relationships" xmlns:a="http://schemas.openxmlformats.org/drawingml/2006/main" xmlns="">
                 <a:solidFill>
                   <a:srgbClr val="FFFFFF"/>
                 </a:solidFill>
               </a14:hiddenFill>
             </a:ext>
             <a:ext uri="{91240B29-F687-4f45-9708-019B960494DF}">
-              <a14:hiddenLine xmlns:a14="http://schemas.microsoft.com/office/drawing/2010/main" w="9525">
+              <a14:hiddenLine xmlns:a14="http://schemas.microsoft.com/office/drawing/2010/main" xmlns:p="http://schemas.openxmlformats.org/presentationml/2006/main" xmlns:r="http://schemas.openxmlformats.org/officeDocument/2006/relationships" xmlns:a="http://schemas.openxmlformats.org/drawingml/2006/main" xmlns="" w="9525">
                 <a:solidFill>
                   <a:srgbClr val="000000"/>
                 </a:solidFill>
@@ -8225,7 +7803,7 @@
     </p:spTree>
     <p:extLst>
       <p:ext uri="{BB962C8B-B14F-4D97-AF65-F5344CB8AC3E}">
-        <p14:creationId xmlns:p14="http://schemas.microsoft.com/office/powerpoint/2010/main" val="1893378589"/>
+        <p14:creationId xmlns:p14="http://schemas.microsoft.com/office/powerpoint/2010/main" xmlns:p="http://schemas.openxmlformats.org/presentationml/2006/main" xmlns:r="http://schemas.openxmlformats.org/officeDocument/2006/relationships" xmlns:a="http://schemas.openxmlformats.org/drawingml/2006/main" xmlns="" val="1893378589"/>
       </p:ext>
     </p:extLst>
   </p:cSld>
@@ -8235,7 +7813,7 @@
   <p:timing>
     <p:tnLst>
       <p:par>
-        <p:cTn xmlns:p14="http://schemas.microsoft.com/office/powerpoint/2010/main" id="1" dur="indefinite" restart="never" nodeType="tmRoot"/>
+        <p:cTn id="1" dur="indefinite" restart="never" nodeType="tmRoot"/>
       </p:par>
     </p:tnLst>
   </p:timing>
@@ -8243,7 +7821,7 @@
 </file>
 
 <file path=ppt/slides/slide6.xml><?xml version="1.0" encoding="utf-8"?>
-<p:sld xmlns:a="http://schemas.openxmlformats.org/drawingml/2006/main" xmlns:r="http://schemas.openxmlformats.org/officeDocument/2006/relationships" xmlns:p="http://schemas.openxmlformats.org/presentationml/2006/main">
+<p:sld xmlns:a="http://schemas.openxmlformats.org/drawingml/2006/main" xmlns:r="http://schemas.openxmlformats.org/officeDocument/2006/relationships" xmlns:mc="http://schemas.openxmlformats.org/markup-compatibility/2006" xmlns:mv="urn:schemas-microsoft-com:mac:vml" xmlns:p="http://schemas.openxmlformats.org/presentationml/2006/main" mc:Ignorable="mv" mc:PreserveAttributes="mv:*">
   <p:cSld>
     <p:spTree>
       <p:nvGrpSpPr>
@@ -8261,12 +7839,12 @@
       </p:grpSpPr>
       <p:sp>
         <p:nvSpPr>
-          <p:cNvPr id="3" name="Title 2"/>
+          <p:cNvPr id="3" name="Text Placeholder 2"/>
           <p:cNvSpPr>
             <a:spLocks noGrp="1"/>
           </p:cNvSpPr>
           <p:nvPr>
-            <p:ph type="title"/>
+            <p:ph type="body" sz="quarter" idx="11"/>
           </p:nvPr>
         </p:nvSpPr>
         <p:spPr/>
@@ -8275,315 +7853,89 @@
           <a:lstStyle/>
           <a:p>
             <a:r>
-              <a:rPr lang="en-US" dirty="0" smtClean="0"/>
-              <a:t>Title</a:t>
-            </a:r>
-            <a:endParaRPr lang="en-US" dirty="0"/>
-          </a:p>
-        </p:txBody>
-      </p:sp>
-      <p:sp>
-        <p:nvSpPr>
-          <p:cNvPr id="4" name="Content Placeholder 3"/>
+              <a:rPr lang="en-US" sz="4700" dirty="0"/>
+              <a:t>Thank you</a:t>
+            </a:r>
+          </a:p>
+        </p:txBody>
+      </p:sp>
+      <p:sp>
+        <p:nvSpPr>
+          <p:cNvPr id="5" name="Text Placeholder 4"/>
           <p:cNvSpPr>
             <a:spLocks noGrp="1"/>
           </p:cNvSpPr>
           <p:nvPr>
-            <p:ph idx="1"/>
+            <p:ph type="body" sz="quarter" idx="12"/>
           </p:nvPr>
         </p:nvSpPr>
         <p:spPr/>
         <p:txBody>
-          <a:bodyPr>
-            <a:normAutofit/>
-          </a:bodyPr>
+          <a:bodyPr/>
           <a:lstStyle/>
           <a:p>
             <a:r>
-              <a:rPr lang="en-US" sz="3200" dirty="0" smtClean="0"/>
-              <a:t>Content</a:t>
-            </a:r>
-          </a:p>
-          <a:p>
-            <a:endParaRPr lang="en-US" sz="3200" dirty="0"/>
+              <a:rPr lang="en-US" dirty="0" smtClean="0"/>
+              <a:t>Brightcove Learning</a:t>
+            </a:r>
+            <a:endParaRPr lang="en-US" dirty="0"/>
+          </a:p>
+        </p:txBody>
+      </p:sp>
+      <p:sp>
+        <p:nvSpPr>
+          <p:cNvPr id="4" name="Slide Number Placeholder 3"/>
+          <p:cNvSpPr>
+            <a:spLocks noGrp="1"/>
+          </p:cNvSpPr>
+          <p:nvPr>
+            <p:ph type="sldNum" sz="quarter" idx="4294967295"/>
+          </p:nvPr>
+        </p:nvSpPr>
+        <p:spPr>
+          <a:xfrm>
+            <a:off x="1" y="9253119"/>
+            <a:ext cx="812230" cy="403878"/>
+          </a:xfrm>
+          <a:prstGeom prst="rect">
+            <a:avLst/>
+          </a:prstGeom>
+        </p:spPr>
+        <p:txBody>
+          <a:bodyPr/>
+          <a:lstStyle/>
+          <a:p>
+            <a:pPr>
+              <a:defRPr/>
+            </a:pPr>
+            <a:fld id="{E089BD15-BC77-46D6-86B9-64976AF1A8F1}" type="slidenum">
+              <a:rPr lang="en-US" smtClean="0"/>
+              <a:pPr>
+                <a:defRPr/>
+              </a:pPr>
+              <a:t>6</a:t>
+            </a:fld>
+            <a:endParaRPr lang="en-US" dirty="0"/>
           </a:p>
         </p:txBody>
       </p:sp>
     </p:spTree>
     <p:extLst>
       <p:ext uri="{BB962C8B-B14F-4D97-AF65-F5344CB8AC3E}">
-        <p14:creationId xmlns:p14="http://schemas.microsoft.com/office/powerpoint/2010/main" val="1723545958"/>
+        <p14:creationId xmlns:p14="http://schemas.microsoft.com/office/powerpoint/2010/main" xmlns:p="http://schemas.openxmlformats.org/presentationml/2006/main" xmlns:r="http://schemas.openxmlformats.org/officeDocument/2006/relationships" xmlns:a="http://schemas.openxmlformats.org/drawingml/2006/main" xmlns="" val="3700295984"/>
       </p:ext>
     </p:extLst>
   </p:cSld>
   <p:clrMapOvr>
     <a:masterClrMapping/>
   </p:clrMapOvr>
+  <p:transition spd="med">
+    <p:fade/>
+  </p:transition>
   <p:timing>
     <p:tnLst>
       <p:par>
-        <p:cTn xmlns:p14="http://schemas.microsoft.com/office/powerpoint/2010/main" id="1" dur="indefinite" restart="never" nodeType="tmRoot"/>
-      </p:par>
-    </p:tnLst>
-  </p:timing>
-</p:sld>
-</file>
-
-<file path=ppt/slides/slide7.xml><?xml version="1.0" encoding="utf-8"?>
-<p:sld xmlns:a="http://schemas.openxmlformats.org/drawingml/2006/main" xmlns:r="http://schemas.openxmlformats.org/officeDocument/2006/relationships" xmlns:p="http://schemas.openxmlformats.org/presentationml/2006/main">
-  <p:cSld>
-    <p:spTree>
-      <p:nvGrpSpPr>
-        <p:cNvPr id="1" name=""/>
-        <p:cNvGrpSpPr/>
-        <p:nvPr/>
-      </p:nvGrpSpPr>
-      <p:grpSpPr>
-        <a:xfrm>
-          <a:off x="0" y="0"/>
-          <a:ext cx="0" cy="0"/>
-          <a:chOff x="0" y="0"/>
-          <a:chExt cx="0" cy="0"/>
-        </a:xfrm>
-      </p:grpSpPr>
-      <p:sp>
-        <p:nvSpPr>
-          <p:cNvPr id="3" name="Title 2"/>
-          <p:cNvSpPr>
-            <a:spLocks noGrp="1"/>
-          </p:cNvSpPr>
-          <p:nvPr>
-            <p:ph type="title"/>
-          </p:nvPr>
-        </p:nvSpPr>
-        <p:spPr/>
-        <p:txBody>
-          <a:bodyPr/>
-          <a:lstStyle/>
-          <a:p>
-            <a:r>
-              <a:rPr lang="en-US" dirty="0" smtClean="0"/>
-              <a:t>Title</a:t>
-            </a:r>
-            <a:endParaRPr lang="en-US" dirty="0"/>
-          </a:p>
-        </p:txBody>
-      </p:sp>
-      <p:sp>
-        <p:nvSpPr>
-          <p:cNvPr id="4" name="Content Placeholder 3"/>
-          <p:cNvSpPr>
-            <a:spLocks noGrp="1"/>
-          </p:cNvSpPr>
-          <p:nvPr>
-            <p:ph idx="1"/>
-          </p:nvPr>
-        </p:nvSpPr>
-        <p:spPr/>
-        <p:txBody>
-          <a:bodyPr>
-            <a:normAutofit/>
-          </a:bodyPr>
-          <a:lstStyle/>
-          <a:p>
-            <a:r>
-              <a:rPr lang="en-US" sz="3200" dirty="0" smtClean="0"/>
-              <a:t>Content</a:t>
-            </a:r>
-          </a:p>
-          <a:p>
-            <a:endParaRPr lang="en-US" sz="3200" dirty="0"/>
-          </a:p>
-        </p:txBody>
-      </p:sp>
-    </p:spTree>
-    <p:extLst>
-      <p:ext uri="{BB962C8B-B14F-4D97-AF65-F5344CB8AC3E}">
-        <p14:creationId xmlns:p14="http://schemas.microsoft.com/office/powerpoint/2010/main" val="2108713422"/>
-      </p:ext>
-    </p:extLst>
-  </p:cSld>
-  <p:clrMapOvr>
-    <a:masterClrMapping/>
-  </p:clrMapOvr>
-  <p:timing>
-    <p:tnLst>
-      <p:par>
-        <p:cTn xmlns:p14="http://schemas.microsoft.com/office/powerpoint/2010/main" id="1" dur="indefinite" restart="never" nodeType="tmRoot"/>
-      </p:par>
-    </p:tnLst>
-  </p:timing>
-</p:sld>
-</file>
-
-<file path=ppt/slides/slide8.xml><?xml version="1.0" encoding="utf-8"?>
-<p:sld xmlns:a="http://schemas.openxmlformats.org/drawingml/2006/main" xmlns:r="http://schemas.openxmlformats.org/officeDocument/2006/relationships" xmlns:p="http://schemas.openxmlformats.org/presentationml/2006/main">
-  <p:cSld>
-    <p:spTree>
-      <p:nvGrpSpPr>
-        <p:cNvPr id="1" name=""/>
-        <p:cNvGrpSpPr/>
-        <p:nvPr/>
-      </p:nvGrpSpPr>
-      <p:grpSpPr>
-        <a:xfrm>
-          <a:off x="0" y="0"/>
-          <a:ext cx="0" cy="0"/>
-          <a:chOff x="0" y="0"/>
-          <a:chExt cx="0" cy="0"/>
-        </a:xfrm>
-      </p:grpSpPr>
-      <p:sp>
-        <p:nvSpPr>
-          <p:cNvPr id="3" name="Title 2"/>
-          <p:cNvSpPr>
-            <a:spLocks noGrp="1"/>
-          </p:cNvSpPr>
-          <p:nvPr>
-            <p:ph type="title"/>
-          </p:nvPr>
-        </p:nvSpPr>
-        <p:spPr/>
-        <p:txBody>
-          <a:bodyPr/>
-          <a:lstStyle/>
-          <a:p>
-            <a:r>
-              <a:rPr lang="en-US" dirty="0" smtClean="0"/>
-              <a:t>Title</a:t>
-            </a:r>
-            <a:endParaRPr lang="en-US" dirty="0"/>
-          </a:p>
-        </p:txBody>
-      </p:sp>
-      <p:sp>
-        <p:nvSpPr>
-          <p:cNvPr id="4" name="Content Placeholder 3"/>
-          <p:cNvSpPr>
-            <a:spLocks noGrp="1"/>
-          </p:cNvSpPr>
-          <p:nvPr>
-            <p:ph idx="1"/>
-          </p:nvPr>
-        </p:nvSpPr>
-        <p:spPr/>
-        <p:txBody>
-          <a:bodyPr>
-            <a:normAutofit/>
-          </a:bodyPr>
-          <a:lstStyle/>
-          <a:p>
-            <a:r>
-              <a:rPr lang="en-US" sz="3200" dirty="0" smtClean="0"/>
-              <a:t>Content</a:t>
-            </a:r>
-          </a:p>
-          <a:p>
-            <a:endParaRPr lang="en-US" sz="3200" dirty="0"/>
-          </a:p>
-        </p:txBody>
-      </p:sp>
-    </p:spTree>
-    <p:extLst>
-      <p:ext uri="{BB962C8B-B14F-4D97-AF65-F5344CB8AC3E}">
-        <p14:creationId xmlns:p14="http://schemas.microsoft.com/office/powerpoint/2010/main" val="2805855639"/>
-      </p:ext>
-    </p:extLst>
-  </p:cSld>
-  <p:clrMapOvr>
-    <a:masterClrMapping/>
-  </p:clrMapOvr>
-  <p:timing>
-    <p:tnLst>
-      <p:par>
-        <p:cTn xmlns:p14="http://schemas.microsoft.com/office/powerpoint/2010/main" id="1" dur="indefinite" restart="never" nodeType="tmRoot"/>
-      </p:par>
-    </p:tnLst>
-  </p:timing>
-</p:sld>
-</file>
-
-<file path=ppt/slides/slide9.xml><?xml version="1.0" encoding="utf-8"?>
-<p:sld xmlns:a="http://schemas.openxmlformats.org/drawingml/2006/main" xmlns:r="http://schemas.openxmlformats.org/officeDocument/2006/relationships" xmlns:p="http://schemas.openxmlformats.org/presentationml/2006/main">
-  <p:cSld>
-    <p:spTree>
-      <p:nvGrpSpPr>
-        <p:cNvPr id="1" name=""/>
-        <p:cNvGrpSpPr/>
-        <p:nvPr/>
-      </p:nvGrpSpPr>
-      <p:grpSpPr>
-        <a:xfrm>
-          <a:off x="0" y="0"/>
-          <a:ext cx="0" cy="0"/>
-          <a:chOff x="0" y="0"/>
-          <a:chExt cx="0" cy="0"/>
-        </a:xfrm>
-      </p:grpSpPr>
-      <p:sp>
-        <p:nvSpPr>
-          <p:cNvPr id="3" name="Title 2"/>
-          <p:cNvSpPr>
-            <a:spLocks noGrp="1"/>
-          </p:cNvSpPr>
-          <p:nvPr>
-            <p:ph type="title"/>
-          </p:nvPr>
-        </p:nvSpPr>
-        <p:spPr/>
-        <p:txBody>
-          <a:bodyPr/>
-          <a:lstStyle/>
-          <a:p>
-            <a:r>
-              <a:rPr lang="en-US" dirty="0" smtClean="0"/>
-              <a:t>Title</a:t>
-            </a:r>
-            <a:endParaRPr lang="en-US" dirty="0"/>
-          </a:p>
-        </p:txBody>
-      </p:sp>
-      <p:sp>
-        <p:nvSpPr>
-          <p:cNvPr id="4" name="Content Placeholder 3"/>
-          <p:cNvSpPr>
-            <a:spLocks noGrp="1"/>
-          </p:cNvSpPr>
-          <p:nvPr>
-            <p:ph idx="1"/>
-          </p:nvPr>
-        </p:nvSpPr>
-        <p:spPr/>
-        <p:txBody>
-          <a:bodyPr>
-            <a:normAutofit/>
-          </a:bodyPr>
-          <a:lstStyle/>
-          <a:p>
-            <a:r>
-              <a:rPr lang="en-US" sz="3200" dirty="0" smtClean="0"/>
-              <a:t>Content</a:t>
-            </a:r>
-          </a:p>
-          <a:p>
-            <a:endParaRPr lang="en-US" sz="3200" dirty="0"/>
-          </a:p>
-        </p:txBody>
-      </p:sp>
-    </p:spTree>
-    <p:extLst>
-      <p:ext uri="{BB962C8B-B14F-4D97-AF65-F5344CB8AC3E}">
-        <p14:creationId xmlns:p14="http://schemas.microsoft.com/office/powerpoint/2010/main" val="2514608167"/>
-      </p:ext>
-    </p:extLst>
-  </p:cSld>
-  <p:clrMapOvr>
-    <a:masterClrMapping/>
-  </p:clrMapOvr>
-  <p:timing>
-    <p:tnLst>
-      <p:par>
-        <p:cTn xmlns:p14="http://schemas.microsoft.com/office/powerpoint/2010/main" id="1" dur="indefinite" restart="never" nodeType="tmRoot"/>
+        <p:cTn id="1" dur="indefinite" restart="never" nodeType="tmRoot"/>
       </p:par>
     </p:tnLst>
   </p:timing>

--- a/VideoSessionsMaterials/understanding-read-methods.pptx
+++ b/VideoSessionsMaterials/understanding-read-methods.pptx
@@ -1,6 +1,6 @@
 
 <file path=ppt/presentation.xml><?xml version="1.0" encoding="utf-8"?>
-<p:presentation xmlns:a="http://schemas.openxmlformats.org/drawingml/2006/main" xmlns:r="http://schemas.openxmlformats.org/officeDocument/2006/relationships" xmlns:mc="http://schemas.openxmlformats.org/markup-compatibility/2006" xmlns:mv="urn:schemas-microsoft-com:mac:vml" xmlns:p="http://schemas.openxmlformats.org/presentationml/2006/main" mc:Ignorable="mv" mc:PreserveAttributes="mv:*" showSpecialPlsOnTitleSld="0" saveSubsetFonts="1" autoCompressPictures="0">
+<p:presentation xmlns:a="http://schemas.openxmlformats.org/drawingml/2006/main" xmlns:r="http://schemas.openxmlformats.org/officeDocument/2006/relationships" xmlns:p="http://schemas.openxmlformats.org/presentationml/2006/main" showSpecialPlsOnTitleSld="0" saveSubsetFonts="1" autoCompressPictures="0">
   <p:sldMasterIdLst>
     <p:sldMasterId id="2147483648" r:id="rId1"/>
   </p:sldMasterIdLst>
@@ -146,7 +146,7 @@
 </file>
 
 <file path=ppt/notesMasters/notesMaster1.xml><?xml version="1.0" encoding="utf-8"?>
-<p:notesMaster xmlns:a="http://schemas.openxmlformats.org/drawingml/2006/main" xmlns:r="http://schemas.openxmlformats.org/officeDocument/2006/relationships" xmlns:mc="http://schemas.openxmlformats.org/markup-compatibility/2006" xmlns:mv="urn:schemas-microsoft-com:mac:vml" xmlns:p="http://schemas.openxmlformats.org/presentationml/2006/main" mc:Ignorable="mv" mc:PreserveAttributes="mv:*">
+<p:notesMaster xmlns:a="http://schemas.openxmlformats.org/drawingml/2006/main" xmlns:r="http://schemas.openxmlformats.org/officeDocument/2006/relationships" xmlns:p="http://schemas.openxmlformats.org/presentationml/2006/main">
   <p:cSld>
     <p:bg>
       <p:bgRef idx="1001">
@@ -228,7 +228,7 @@
             <a:fld id="{DDC063FE-8627-9A42-970F-0BBEEB02B587}" type="datetimeFigureOut">
               <a:rPr lang="en-US" smtClean="0"/>
               <a:pPr/>
-              <a:t>12/6/13</a:t>
+              <a:t>12/9/13</a:t>
             </a:fld>
             <a:endParaRPr lang="en-US" dirty="0"/>
           </a:p>
@@ -397,7 +397,7 @@
     </p:spTree>
     <p:extLst>
       <p:ext uri="{BB962C8B-B14F-4D97-AF65-F5344CB8AC3E}">
-        <p14:creationId xmlns:p14="http://schemas.microsoft.com/office/powerpoint/2010/main" xmlns:p="http://schemas.openxmlformats.org/presentationml/2006/main" xmlns:r="http://schemas.openxmlformats.org/officeDocument/2006/relationships" xmlns:a="http://schemas.openxmlformats.org/drawingml/2006/main" xmlns="" val="4045051341"/>
+        <p14:creationId xmlns:p14="http://schemas.microsoft.com/office/powerpoint/2010/main" val="4045051341"/>
       </p:ext>
     </p:extLst>
   </p:cSld>
@@ -498,7 +498,7 @@
 </file>
 
 <file path=ppt/notesSlides/notesSlide1.xml><?xml version="1.0" encoding="utf-8"?>
-<p:notes xmlns:a="http://schemas.openxmlformats.org/drawingml/2006/main" xmlns:r="http://schemas.openxmlformats.org/officeDocument/2006/relationships" xmlns:mc="http://schemas.openxmlformats.org/markup-compatibility/2006" xmlns:mv="urn:schemas-microsoft-com:mac:vml" xmlns:p="http://schemas.openxmlformats.org/presentationml/2006/main" mc:Ignorable="mv" mc:PreserveAttributes="mv:*">
+<p:notes xmlns:a="http://schemas.openxmlformats.org/drawingml/2006/main" xmlns:r="http://schemas.openxmlformats.org/officeDocument/2006/relationships" xmlns:p="http://schemas.openxmlformats.org/presentationml/2006/main">
   <p:cSld>
     <p:spTree>
       <p:nvGrpSpPr>
@@ -572,7 +572,7 @@
     </p:spTree>
     <p:extLst>
       <p:ext uri="{BB962C8B-B14F-4D97-AF65-F5344CB8AC3E}">
-        <p14:creationId xmlns:p14="http://schemas.microsoft.com/office/powerpoint/2010/main" xmlns:p="http://schemas.openxmlformats.org/presentationml/2006/main" xmlns:r="http://schemas.openxmlformats.org/officeDocument/2006/relationships" xmlns:a="http://schemas.openxmlformats.org/drawingml/2006/main" xmlns="" val="3250658828"/>
+        <p14:creationId xmlns:p14="http://schemas.microsoft.com/office/powerpoint/2010/main" val="3250658828"/>
       </p:ext>
     </p:extLst>
   </p:cSld>
@@ -583,7 +583,7 @@
 </file>
 
 <file path=ppt/notesSlides/notesSlide2.xml><?xml version="1.0" encoding="utf-8"?>
-<p:notes xmlns:a="http://schemas.openxmlformats.org/drawingml/2006/main" xmlns:r="http://schemas.openxmlformats.org/officeDocument/2006/relationships" xmlns:mc="http://schemas.openxmlformats.org/markup-compatibility/2006" xmlns:mv="urn:schemas-microsoft-com:mac:vml" xmlns:p="http://schemas.openxmlformats.org/presentationml/2006/main" mc:Ignorable="mv" mc:PreserveAttributes="mv:*">
+<p:notes xmlns:a="http://schemas.openxmlformats.org/drawingml/2006/main" xmlns:r="http://schemas.openxmlformats.org/officeDocument/2006/relationships" xmlns:p="http://schemas.openxmlformats.org/presentationml/2006/main">
   <p:cSld>
     <p:spTree>
       <p:nvGrpSpPr>
@@ -621,14 +621,14 @@
           </a:ln>
           <a:extLst>
             <a:ext uri="{909E8E84-426E-40dd-AFC4-6F175D3DCCD1}">
-              <a14:hiddenFill xmlns:a14="http://schemas.microsoft.com/office/drawing/2010/main" xmlns:p="http://schemas.openxmlformats.org/presentationml/2006/main" xmlns:r="http://schemas.openxmlformats.org/officeDocument/2006/relationships" xmlns:a="http://schemas.openxmlformats.org/drawingml/2006/main" xmlns="">
+              <a14:hiddenFill xmlns:a14="http://schemas.microsoft.com/office/drawing/2010/main">
                 <a:solidFill>
                   <a:srgbClr val="FFFFFF"/>
                 </a:solidFill>
               </a14:hiddenFill>
             </a:ext>
             <a:ext uri="{91240B29-F687-4f45-9708-019B960494DF}">
-              <a14:hiddenLine xmlns:a14="http://schemas.microsoft.com/office/drawing/2010/main" xmlns:p="http://schemas.openxmlformats.org/presentationml/2006/main" xmlns:r="http://schemas.openxmlformats.org/officeDocument/2006/relationships" xmlns:a="http://schemas.openxmlformats.org/drawingml/2006/main" xmlns="" w="9525">
+              <a14:hiddenLine xmlns:a14="http://schemas.microsoft.com/office/drawing/2010/main" w="9525">
                 <a:solidFill>
                   <a:srgbClr val="000000"/>
                 </a:solidFill>
@@ -782,14 +782,14 @@
           </a:ln>
           <a:extLst>
             <a:ext uri="{909E8E84-426E-40dd-AFC4-6F175D3DCCD1}">
-              <a14:hiddenFill xmlns:a14="http://schemas.microsoft.com/office/drawing/2010/main" xmlns:p="http://schemas.openxmlformats.org/presentationml/2006/main" xmlns:r="http://schemas.openxmlformats.org/officeDocument/2006/relationships" xmlns:a="http://schemas.openxmlformats.org/drawingml/2006/main" xmlns="">
+              <a14:hiddenFill xmlns:a14="http://schemas.microsoft.com/office/drawing/2010/main">
                 <a:solidFill>
                   <a:srgbClr val="FFFFFF"/>
                 </a:solidFill>
               </a14:hiddenFill>
             </a:ext>
             <a:ext uri="{FAA26D3D-D897-4be2-8F04-BA451C77F1D7}">
-              <ma14:placeholderFlag xmlns:ma14="http://schemas.microsoft.com/office/mac/drawingml/2011/main" xmlns:p="http://schemas.openxmlformats.org/presentationml/2006/main" xmlns:r="http://schemas.openxmlformats.org/officeDocument/2006/relationships" xmlns:a="http://schemas.openxmlformats.org/drawingml/2006/main" xmlns="" val="1"/>
+              <ma14:placeholderFlag xmlns:ma14="http://schemas.microsoft.com/office/mac/drawingml/2011/main" val="1"/>
             </a:ext>
           </a:extLst>
         </p:spPr>
@@ -808,14 +808,14 @@
           <a:noFill/>
           <a:extLst>
             <a:ext uri="{909E8E84-426E-40dd-AFC4-6F175D3DCCD1}">
-              <a14:hiddenFill xmlns:a14="http://schemas.microsoft.com/office/drawing/2010/main" xmlns:p="http://schemas.openxmlformats.org/presentationml/2006/main" xmlns:r="http://schemas.openxmlformats.org/officeDocument/2006/relationships" xmlns:a="http://schemas.openxmlformats.org/drawingml/2006/main" xmlns="">
+              <a14:hiddenFill xmlns:a14="http://schemas.microsoft.com/office/drawing/2010/main">
                 <a:solidFill>
                   <a:srgbClr val="FFFFFF"/>
                 </a:solidFill>
               </a14:hiddenFill>
             </a:ext>
             <a:ext uri="{91240B29-F687-4f45-9708-019B960494DF}">
-              <a14:hiddenLine xmlns:a14="http://schemas.microsoft.com/office/drawing/2010/main" xmlns:p="http://schemas.openxmlformats.org/presentationml/2006/main" xmlns:r="http://schemas.openxmlformats.org/officeDocument/2006/relationships" xmlns:a="http://schemas.openxmlformats.org/drawingml/2006/main" xmlns="" w="9525">
+              <a14:hiddenLine xmlns:a14="http://schemas.microsoft.com/office/drawing/2010/main" w="9525">
                 <a:solidFill>
                   <a:srgbClr val="000000"/>
                 </a:solidFill>
@@ -825,7 +825,7 @@
               </a14:hiddenLine>
             </a:ext>
             <a:ext uri="{FAA26D3D-D897-4be2-8F04-BA451C77F1D7}">
-              <ma14:placeholderFlag xmlns:ma14="http://schemas.microsoft.com/office/mac/drawingml/2011/main" xmlns:p="http://schemas.openxmlformats.org/presentationml/2006/main" xmlns:r="http://schemas.openxmlformats.org/officeDocument/2006/relationships" xmlns:a="http://schemas.openxmlformats.org/drawingml/2006/main" xmlns="" val="1"/>
+              <ma14:placeholderFlag xmlns:ma14="http://schemas.microsoft.com/office/mac/drawingml/2011/main" val="1"/>
             </a:ext>
           </a:extLst>
         </p:spPr>
@@ -853,7 +853,7 @@
 </file>
 
 <file path=ppt/notesSlides/notesSlide3.xml><?xml version="1.0" encoding="utf-8"?>
-<p:notes xmlns:a="http://schemas.openxmlformats.org/drawingml/2006/main" xmlns:r="http://schemas.openxmlformats.org/officeDocument/2006/relationships" xmlns:mc="http://schemas.openxmlformats.org/markup-compatibility/2006" xmlns:mv="urn:schemas-microsoft-com:mac:vml" xmlns:p="http://schemas.openxmlformats.org/presentationml/2006/main" mc:Ignorable="mv" mc:PreserveAttributes="mv:*">
+<p:notes xmlns:a="http://schemas.openxmlformats.org/drawingml/2006/main" xmlns:r="http://schemas.openxmlformats.org/officeDocument/2006/relationships" xmlns:p="http://schemas.openxmlformats.org/presentationml/2006/main">
   <p:cSld>
     <p:spTree>
       <p:nvGrpSpPr>
@@ -891,14 +891,14 @@
           </a:ln>
           <a:extLst>
             <a:ext uri="{909E8E84-426E-40dd-AFC4-6F175D3DCCD1}">
-              <a14:hiddenFill xmlns:a14="http://schemas.microsoft.com/office/drawing/2010/main" xmlns:p="http://schemas.openxmlformats.org/presentationml/2006/main" xmlns:r="http://schemas.openxmlformats.org/officeDocument/2006/relationships" xmlns:a="http://schemas.openxmlformats.org/drawingml/2006/main" xmlns="">
+              <a14:hiddenFill xmlns:a14="http://schemas.microsoft.com/office/drawing/2010/main">
                 <a:solidFill>
                   <a:srgbClr val="FFFFFF"/>
                 </a:solidFill>
               </a14:hiddenFill>
             </a:ext>
             <a:ext uri="{91240B29-F687-4f45-9708-019B960494DF}">
-              <a14:hiddenLine xmlns:a14="http://schemas.microsoft.com/office/drawing/2010/main" xmlns:p="http://schemas.openxmlformats.org/presentationml/2006/main" xmlns:r="http://schemas.openxmlformats.org/officeDocument/2006/relationships" xmlns:a="http://schemas.openxmlformats.org/drawingml/2006/main" xmlns="" w="9525">
+              <a14:hiddenLine xmlns:a14="http://schemas.microsoft.com/office/drawing/2010/main" w="9525">
                 <a:solidFill>
                   <a:srgbClr val="000000"/>
                 </a:solidFill>
@@ -1052,14 +1052,14 @@
           </a:ln>
           <a:extLst>
             <a:ext uri="{909E8E84-426E-40dd-AFC4-6F175D3DCCD1}">
-              <a14:hiddenFill xmlns:a14="http://schemas.microsoft.com/office/drawing/2010/main" xmlns:p="http://schemas.openxmlformats.org/presentationml/2006/main" xmlns:r="http://schemas.openxmlformats.org/officeDocument/2006/relationships" xmlns:a="http://schemas.openxmlformats.org/drawingml/2006/main" xmlns="">
+              <a14:hiddenFill xmlns:a14="http://schemas.microsoft.com/office/drawing/2010/main">
                 <a:solidFill>
                   <a:srgbClr val="FFFFFF"/>
                 </a:solidFill>
               </a14:hiddenFill>
             </a:ext>
             <a:ext uri="{FAA26D3D-D897-4be2-8F04-BA451C77F1D7}">
-              <ma14:placeholderFlag xmlns:ma14="http://schemas.microsoft.com/office/mac/drawingml/2011/main" xmlns:p="http://schemas.openxmlformats.org/presentationml/2006/main" xmlns:r="http://schemas.openxmlformats.org/officeDocument/2006/relationships" xmlns:a="http://schemas.openxmlformats.org/drawingml/2006/main" xmlns="" val="1"/>
+              <ma14:placeholderFlag xmlns:ma14="http://schemas.microsoft.com/office/mac/drawingml/2011/main" val="1"/>
             </a:ext>
           </a:extLst>
         </p:spPr>
@@ -1078,14 +1078,14 @@
           <a:noFill/>
           <a:extLst>
             <a:ext uri="{909E8E84-426E-40dd-AFC4-6F175D3DCCD1}">
-              <a14:hiddenFill xmlns:a14="http://schemas.microsoft.com/office/drawing/2010/main" xmlns:p="http://schemas.openxmlformats.org/presentationml/2006/main" xmlns:r="http://schemas.openxmlformats.org/officeDocument/2006/relationships" xmlns:a="http://schemas.openxmlformats.org/drawingml/2006/main" xmlns="">
+              <a14:hiddenFill xmlns:a14="http://schemas.microsoft.com/office/drawing/2010/main">
                 <a:solidFill>
                   <a:srgbClr val="FFFFFF"/>
                 </a:solidFill>
               </a14:hiddenFill>
             </a:ext>
             <a:ext uri="{91240B29-F687-4f45-9708-019B960494DF}">
-              <a14:hiddenLine xmlns:a14="http://schemas.microsoft.com/office/drawing/2010/main" xmlns:p="http://schemas.openxmlformats.org/presentationml/2006/main" xmlns:r="http://schemas.openxmlformats.org/officeDocument/2006/relationships" xmlns:a="http://schemas.openxmlformats.org/drawingml/2006/main" xmlns="" w="9525">
+              <a14:hiddenLine xmlns:a14="http://schemas.microsoft.com/office/drawing/2010/main" w="9525">
                 <a:solidFill>
                   <a:srgbClr val="000000"/>
                 </a:solidFill>
@@ -1095,7 +1095,7 @@
               </a14:hiddenLine>
             </a:ext>
             <a:ext uri="{FAA26D3D-D897-4be2-8F04-BA451C77F1D7}">
-              <ma14:placeholderFlag xmlns:ma14="http://schemas.microsoft.com/office/mac/drawingml/2011/main" xmlns:p="http://schemas.openxmlformats.org/presentationml/2006/main" xmlns:r="http://schemas.openxmlformats.org/officeDocument/2006/relationships" xmlns:a="http://schemas.openxmlformats.org/drawingml/2006/main" xmlns="" val="1"/>
+              <ma14:placeholderFlag xmlns:ma14="http://schemas.microsoft.com/office/mac/drawingml/2011/main" val="1"/>
             </a:ext>
           </a:extLst>
         </p:spPr>
@@ -1123,7 +1123,7 @@
 </file>
 
 <file path=ppt/notesSlides/notesSlide4.xml><?xml version="1.0" encoding="utf-8"?>
-<p:notes xmlns:a="http://schemas.openxmlformats.org/drawingml/2006/main" xmlns:r="http://schemas.openxmlformats.org/officeDocument/2006/relationships" xmlns:mc="http://schemas.openxmlformats.org/markup-compatibility/2006" xmlns:mv="urn:schemas-microsoft-com:mac:vml" xmlns:p="http://schemas.openxmlformats.org/presentationml/2006/main" mc:Ignorable="mv" mc:PreserveAttributes="mv:*">
+<p:notes xmlns:a="http://schemas.openxmlformats.org/drawingml/2006/main" xmlns:r="http://schemas.openxmlformats.org/officeDocument/2006/relationships" xmlns:p="http://schemas.openxmlformats.org/presentationml/2006/main">
   <p:cSld>
     <p:spTree>
       <p:nvGrpSpPr>
@@ -1161,14 +1161,14 @@
           </a:ln>
           <a:extLst>
             <a:ext uri="{909E8E84-426E-40dd-AFC4-6F175D3DCCD1}">
-              <a14:hiddenFill xmlns:a14="http://schemas.microsoft.com/office/drawing/2010/main" xmlns:p="http://schemas.openxmlformats.org/presentationml/2006/main" xmlns:r="http://schemas.openxmlformats.org/officeDocument/2006/relationships" xmlns:a="http://schemas.openxmlformats.org/drawingml/2006/main" xmlns="">
+              <a14:hiddenFill xmlns:a14="http://schemas.microsoft.com/office/drawing/2010/main">
                 <a:solidFill>
                   <a:srgbClr val="FFFFFF"/>
                 </a:solidFill>
               </a14:hiddenFill>
             </a:ext>
             <a:ext uri="{91240B29-F687-4f45-9708-019B960494DF}">
-              <a14:hiddenLine xmlns:a14="http://schemas.microsoft.com/office/drawing/2010/main" xmlns:p="http://schemas.openxmlformats.org/presentationml/2006/main" xmlns:r="http://schemas.openxmlformats.org/officeDocument/2006/relationships" xmlns:a="http://schemas.openxmlformats.org/drawingml/2006/main" xmlns="" w="9525">
+              <a14:hiddenLine xmlns:a14="http://schemas.microsoft.com/office/drawing/2010/main" w="9525">
                 <a:solidFill>
                   <a:srgbClr val="000000"/>
                 </a:solidFill>
@@ -1322,14 +1322,14 @@
           </a:ln>
           <a:extLst>
             <a:ext uri="{909E8E84-426E-40dd-AFC4-6F175D3DCCD1}">
-              <a14:hiddenFill xmlns:a14="http://schemas.microsoft.com/office/drawing/2010/main" xmlns:p="http://schemas.openxmlformats.org/presentationml/2006/main" xmlns:r="http://schemas.openxmlformats.org/officeDocument/2006/relationships" xmlns:a="http://schemas.openxmlformats.org/drawingml/2006/main" xmlns="">
+              <a14:hiddenFill xmlns:a14="http://schemas.microsoft.com/office/drawing/2010/main">
                 <a:solidFill>
                   <a:srgbClr val="FFFFFF"/>
                 </a:solidFill>
               </a14:hiddenFill>
             </a:ext>
             <a:ext uri="{FAA26D3D-D897-4be2-8F04-BA451C77F1D7}">
-              <ma14:placeholderFlag xmlns:ma14="http://schemas.microsoft.com/office/mac/drawingml/2011/main" xmlns:p="http://schemas.openxmlformats.org/presentationml/2006/main" xmlns:r="http://schemas.openxmlformats.org/officeDocument/2006/relationships" xmlns:a="http://schemas.openxmlformats.org/drawingml/2006/main" xmlns="" val="1"/>
+              <ma14:placeholderFlag xmlns:ma14="http://schemas.microsoft.com/office/mac/drawingml/2011/main" val="1"/>
             </a:ext>
           </a:extLst>
         </p:spPr>
@@ -1348,14 +1348,14 @@
           <a:noFill/>
           <a:extLst>
             <a:ext uri="{909E8E84-426E-40dd-AFC4-6F175D3DCCD1}">
-              <a14:hiddenFill xmlns:a14="http://schemas.microsoft.com/office/drawing/2010/main" xmlns:p="http://schemas.openxmlformats.org/presentationml/2006/main" xmlns:r="http://schemas.openxmlformats.org/officeDocument/2006/relationships" xmlns:a="http://schemas.openxmlformats.org/drawingml/2006/main" xmlns="">
+              <a14:hiddenFill xmlns:a14="http://schemas.microsoft.com/office/drawing/2010/main">
                 <a:solidFill>
                   <a:srgbClr val="FFFFFF"/>
                 </a:solidFill>
               </a14:hiddenFill>
             </a:ext>
             <a:ext uri="{91240B29-F687-4f45-9708-019B960494DF}">
-              <a14:hiddenLine xmlns:a14="http://schemas.microsoft.com/office/drawing/2010/main" xmlns:p="http://schemas.openxmlformats.org/presentationml/2006/main" xmlns:r="http://schemas.openxmlformats.org/officeDocument/2006/relationships" xmlns:a="http://schemas.openxmlformats.org/drawingml/2006/main" xmlns="" w="9525">
+              <a14:hiddenLine xmlns:a14="http://schemas.microsoft.com/office/drawing/2010/main" w="9525">
                 <a:solidFill>
                   <a:srgbClr val="000000"/>
                 </a:solidFill>
@@ -1365,7 +1365,7 @@
               </a14:hiddenLine>
             </a:ext>
             <a:ext uri="{FAA26D3D-D897-4be2-8F04-BA451C77F1D7}">
-              <ma14:placeholderFlag xmlns:ma14="http://schemas.microsoft.com/office/mac/drawingml/2011/main" xmlns:p="http://schemas.openxmlformats.org/presentationml/2006/main" xmlns:r="http://schemas.openxmlformats.org/officeDocument/2006/relationships" xmlns:a="http://schemas.openxmlformats.org/drawingml/2006/main" xmlns="" val="1"/>
+              <ma14:placeholderFlag xmlns:ma14="http://schemas.microsoft.com/office/mac/drawingml/2011/main" val="1"/>
             </a:ext>
           </a:extLst>
         </p:spPr>
@@ -1393,7 +1393,7 @@
 </file>
 
 <file path=ppt/notesSlides/notesSlide5.xml><?xml version="1.0" encoding="utf-8"?>
-<p:notes xmlns:a="http://schemas.openxmlformats.org/drawingml/2006/main" xmlns:r="http://schemas.openxmlformats.org/officeDocument/2006/relationships" xmlns:mc="http://schemas.openxmlformats.org/markup-compatibility/2006" xmlns:mv="urn:schemas-microsoft-com:mac:vml" xmlns:p="http://schemas.openxmlformats.org/presentationml/2006/main" mc:Ignorable="mv" mc:PreserveAttributes="mv:*">
+<p:notes xmlns:a="http://schemas.openxmlformats.org/drawingml/2006/main" xmlns:r="http://schemas.openxmlformats.org/officeDocument/2006/relationships" xmlns:p="http://schemas.openxmlformats.org/presentationml/2006/main">
   <p:cSld>
     <p:spTree>
       <p:nvGrpSpPr>
@@ -1467,7 +1467,7 @@
     </p:spTree>
     <p:extLst>
       <p:ext uri="{BB962C8B-B14F-4D97-AF65-F5344CB8AC3E}">
-        <p14:creationId xmlns:p14="http://schemas.microsoft.com/office/powerpoint/2010/main" xmlns:p="http://schemas.openxmlformats.org/presentationml/2006/main" xmlns:r="http://schemas.openxmlformats.org/officeDocument/2006/relationships" xmlns:a="http://schemas.openxmlformats.org/drawingml/2006/main" xmlns="" val="1443086944"/>
+        <p14:creationId xmlns:p14="http://schemas.microsoft.com/office/powerpoint/2010/main" val="1443086944"/>
       </p:ext>
     </p:extLst>
   </p:cSld>
@@ -1478,7 +1478,7 @@
 </file>
 
 <file path=ppt/slideLayouts/slideLayout1.xml><?xml version="1.0" encoding="utf-8"?>
-<p:sldLayout xmlns:a="http://schemas.openxmlformats.org/drawingml/2006/main" xmlns:r="http://schemas.openxmlformats.org/officeDocument/2006/relationships" xmlns:mc="http://schemas.openxmlformats.org/markup-compatibility/2006" xmlns:mv="urn:schemas-microsoft-com:mac:vml" xmlns:p="http://schemas.openxmlformats.org/presentationml/2006/main" mc:Ignorable="mv" mc:PreserveAttributes="mv:*" type="title" preserve="1">
+<p:sldLayout xmlns:a="http://schemas.openxmlformats.org/drawingml/2006/main" xmlns:r="http://schemas.openxmlformats.org/officeDocument/2006/relationships" xmlns:p="http://schemas.openxmlformats.org/presentationml/2006/main" type="title" preserve="1">
   <p:cSld name="Title Slide">
     <p:bg>
       <p:bgPr>
@@ -1702,7 +1702,7 @@
 </file>
 
 <file path=ppt/slideLayouts/slideLayout10.xml><?xml version="1.0" encoding="utf-8"?>
-<p:sldLayout xmlns:a="http://schemas.openxmlformats.org/drawingml/2006/main" xmlns:r="http://schemas.openxmlformats.org/officeDocument/2006/relationships" xmlns:mc="http://schemas.openxmlformats.org/markup-compatibility/2006" xmlns:mv="urn:schemas-microsoft-com:mac:vml" xmlns:p="http://schemas.openxmlformats.org/presentationml/2006/main" mc:Ignorable="mv" mc:PreserveAttributes="mv:*" preserve="1" userDrawn="1">
+<p:sldLayout xmlns:a="http://schemas.openxmlformats.org/drawingml/2006/main" xmlns:r="http://schemas.openxmlformats.org/officeDocument/2006/relationships" xmlns:p="http://schemas.openxmlformats.org/presentationml/2006/main" preserve="1" userDrawn="1">
   <p:cSld name="Impact Slide - Pink">
     <p:bg>
       <p:bgPr>
@@ -1775,7 +1775,7 @@
 </file>
 
 <file path=ppt/slideLayouts/slideLayout11.xml><?xml version="1.0" encoding="utf-8"?>
-<p:sldLayout xmlns:a="http://schemas.openxmlformats.org/drawingml/2006/main" xmlns:r="http://schemas.openxmlformats.org/officeDocument/2006/relationships" xmlns:mc="http://schemas.openxmlformats.org/markup-compatibility/2006" xmlns:mv="urn:schemas-microsoft-com:mac:vml" xmlns:p="http://schemas.openxmlformats.org/presentationml/2006/main" mc:Ignorable="mv" mc:PreserveAttributes="mv:*" preserve="1" userDrawn="1">
+<p:sldLayout xmlns:a="http://schemas.openxmlformats.org/drawingml/2006/main" xmlns:r="http://schemas.openxmlformats.org/officeDocument/2006/relationships" xmlns:p="http://schemas.openxmlformats.org/presentationml/2006/main" preserve="1" userDrawn="1">
   <p:cSld name="Quote Slide - Neutral">
     <p:bg>
       <p:bgPr>
@@ -1934,7 +1934,7 @@
 </file>
 
 <file path=ppt/slideLayouts/slideLayout12.xml><?xml version="1.0" encoding="utf-8"?>
-<p:sldLayout xmlns:a="http://schemas.openxmlformats.org/drawingml/2006/main" xmlns:r="http://schemas.openxmlformats.org/officeDocument/2006/relationships" xmlns:mc="http://schemas.openxmlformats.org/markup-compatibility/2006" xmlns:mv="urn:schemas-microsoft-com:mac:vml" xmlns:p="http://schemas.openxmlformats.org/presentationml/2006/main" mc:Ignorable="mv" mc:PreserveAttributes="mv:*" preserve="1" userDrawn="1">
+<p:sldLayout xmlns:a="http://schemas.openxmlformats.org/drawingml/2006/main" xmlns:r="http://schemas.openxmlformats.org/officeDocument/2006/relationships" xmlns:p="http://schemas.openxmlformats.org/presentationml/2006/main" preserve="1" userDrawn="1">
   <p:cSld name="Quote Slide - Teal">
     <p:bg>
       <p:bgPr>
@@ -2087,7 +2087,7 @@
 </file>
 
 <file path=ppt/slideLayouts/slideLayout13.xml><?xml version="1.0" encoding="utf-8"?>
-<p:sldLayout xmlns:a="http://schemas.openxmlformats.org/drawingml/2006/main" xmlns:r="http://schemas.openxmlformats.org/officeDocument/2006/relationships" xmlns:mc="http://schemas.openxmlformats.org/markup-compatibility/2006" xmlns:mv="urn:schemas-microsoft-com:mac:vml" xmlns:p="http://schemas.openxmlformats.org/presentationml/2006/main" mc:Ignorable="mv" mc:PreserveAttributes="mv:*" preserve="1" userDrawn="1">
+<p:sldLayout xmlns:a="http://schemas.openxmlformats.org/drawingml/2006/main" xmlns:r="http://schemas.openxmlformats.org/officeDocument/2006/relationships" xmlns:p="http://schemas.openxmlformats.org/presentationml/2006/main" preserve="1" userDrawn="1">
   <p:cSld name="Quote Slide - Green">
     <p:bg>
       <p:bgPr>
@@ -2240,7 +2240,7 @@
 </file>
 
 <file path=ppt/slideLayouts/slideLayout14.xml><?xml version="1.0" encoding="utf-8"?>
-<p:sldLayout xmlns:a="http://schemas.openxmlformats.org/drawingml/2006/main" xmlns:r="http://schemas.openxmlformats.org/officeDocument/2006/relationships" xmlns:mc="http://schemas.openxmlformats.org/markup-compatibility/2006" xmlns:mv="urn:schemas-microsoft-com:mac:vml" xmlns:p="http://schemas.openxmlformats.org/presentationml/2006/main" mc:Ignorable="mv" mc:PreserveAttributes="mv:*" preserve="1" userDrawn="1">
+<p:sldLayout xmlns:a="http://schemas.openxmlformats.org/drawingml/2006/main" xmlns:r="http://schemas.openxmlformats.org/officeDocument/2006/relationships" xmlns:p="http://schemas.openxmlformats.org/presentationml/2006/main" preserve="1" userDrawn="1">
   <p:cSld name="Orange Quote Slide">
     <p:bg>
       <p:bgPr>
@@ -2393,7 +2393,7 @@
 </file>
 
 <file path=ppt/slideLayouts/slideLayout15.xml><?xml version="1.0" encoding="utf-8"?>
-<p:sldLayout xmlns:a="http://schemas.openxmlformats.org/drawingml/2006/main" xmlns:r="http://schemas.openxmlformats.org/officeDocument/2006/relationships" xmlns:mc="http://schemas.openxmlformats.org/markup-compatibility/2006" xmlns:mv="urn:schemas-microsoft-com:mac:vml" xmlns:p="http://schemas.openxmlformats.org/presentationml/2006/main" mc:Ignorable="mv" mc:PreserveAttributes="mv:*" preserve="1" userDrawn="1">
+<p:sldLayout xmlns:a="http://schemas.openxmlformats.org/drawingml/2006/main" xmlns:r="http://schemas.openxmlformats.org/officeDocument/2006/relationships" xmlns:p="http://schemas.openxmlformats.org/presentationml/2006/main" preserve="1" userDrawn="1">
   <p:cSld name="Quote Slide - Pink">
     <p:bg>
       <p:bgPr>
@@ -2546,7 +2546,7 @@
 </file>
 
 <file path=ppt/slideLayouts/slideLayout16.xml><?xml version="1.0" encoding="utf-8"?>
-<p:sldLayout xmlns:a="http://schemas.openxmlformats.org/drawingml/2006/main" xmlns:r="http://schemas.openxmlformats.org/officeDocument/2006/relationships" xmlns:mc="http://schemas.openxmlformats.org/markup-compatibility/2006" xmlns:mv="urn:schemas-microsoft-com:mac:vml" xmlns:p="http://schemas.openxmlformats.org/presentationml/2006/main" mc:Ignorable="mv" mc:PreserveAttributes="mv:*" preserve="1" userDrawn="1">
+<p:sldLayout xmlns:a="http://schemas.openxmlformats.org/drawingml/2006/main" xmlns:r="http://schemas.openxmlformats.org/officeDocument/2006/relationships" xmlns:p="http://schemas.openxmlformats.org/presentationml/2006/main" preserve="1" userDrawn="1">
   <p:cSld name="Thank You - Teal">
     <p:bg>
       <p:bgPr>
@@ -2677,7 +2677,7 @@
 </file>
 
 <file path=ppt/slideLayouts/slideLayout17.xml><?xml version="1.0" encoding="utf-8"?>
-<p:sldLayout xmlns:a="http://schemas.openxmlformats.org/drawingml/2006/main" xmlns:r="http://schemas.openxmlformats.org/officeDocument/2006/relationships" xmlns:mc="http://schemas.openxmlformats.org/markup-compatibility/2006" xmlns:mv="urn:schemas-microsoft-com:mac:vml" xmlns:p="http://schemas.openxmlformats.org/presentationml/2006/main" mc:Ignorable="mv" mc:PreserveAttributes="mv:*" preserve="1" userDrawn="1">
+<p:sldLayout xmlns:a="http://schemas.openxmlformats.org/drawingml/2006/main" xmlns:r="http://schemas.openxmlformats.org/officeDocument/2006/relationships" xmlns:p="http://schemas.openxmlformats.org/presentationml/2006/main" preserve="1" userDrawn="1">
   <p:cSld name="Thank You - Green">
     <p:bg>
       <p:bgPr>
@@ -2808,7 +2808,7 @@
 </file>
 
 <file path=ppt/slideLayouts/slideLayout18.xml><?xml version="1.0" encoding="utf-8"?>
-<p:sldLayout xmlns:a="http://schemas.openxmlformats.org/drawingml/2006/main" xmlns:r="http://schemas.openxmlformats.org/officeDocument/2006/relationships" xmlns:mc="http://schemas.openxmlformats.org/markup-compatibility/2006" xmlns:mv="urn:schemas-microsoft-com:mac:vml" xmlns:p="http://schemas.openxmlformats.org/presentationml/2006/main" mc:Ignorable="mv" mc:PreserveAttributes="mv:*" userDrawn="1">
+<p:sldLayout xmlns:a="http://schemas.openxmlformats.org/drawingml/2006/main" xmlns:r="http://schemas.openxmlformats.org/officeDocument/2006/relationships" xmlns:p="http://schemas.openxmlformats.org/presentationml/2006/main" userDrawn="1">
   <p:cSld name="Thank You - Orange">
     <p:bg>
       <p:bgPr>
@@ -2939,7 +2939,7 @@
 </file>
 
 <file path=ppt/slideLayouts/slideLayout19.xml><?xml version="1.0" encoding="utf-8"?>
-<p:sldLayout xmlns:a="http://schemas.openxmlformats.org/drawingml/2006/main" xmlns:r="http://schemas.openxmlformats.org/officeDocument/2006/relationships" xmlns:mc="http://schemas.openxmlformats.org/markup-compatibility/2006" xmlns:mv="urn:schemas-microsoft-com:mac:vml" xmlns:p="http://schemas.openxmlformats.org/presentationml/2006/main" mc:Ignorable="mv" mc:PreserveAttributes="mv:*" userDrawn="1">
+<p:sldLayout xmlns:a="http://schemas.openxmlformats.org/drawingml/2006/main" xmlns:r="http://schemas.openxmlformats.org/officeDocument/2006/relationships" xmlns:p="http://schemas.openxmlformats.org/presentationml/2006/main" userDrawn="1">
   <p:cSld name="Thank You - Pink">
     <p:bg>
       <p:bgPr>
@@ -3070,7 +3070,7 @@
 </file>
 
 <file path=ppt/slideLayouts/slideLayout2.xml><?xml version="1.0" encoding="utf-8"?>
-<p:sldLayout xmlns:a="http://schemas.openxmlformats.org/drawingml/2006/main" xmlns:r="http://schemas.openxmlformats.org/officeDocument/2006/relationships" xmlns:mc="http://schemas.openxmlformats.org/markup-compatibility/2006" xmlns:mv="urn:schemas-microsoft-com:mac:vml" xmlns:p="http://schemas.openxmlformats.org/presentationml/2006/main" mc:Ignorable="mv" mc:PreserveAttributes="mv:*" preserve="1" userDrawn="1">
+<p:sldLayout xmlns:a="http://schemas.openxmlformats.org/drawingml/2006/main" xmlns:r="http://schemas.openxmlformats.org/officeDocument/2006/relationships" xmlns:p="http://schemas.openxmlformats.org/presentationml/2006/main" preserve="1" userDrawn="1">
   <p:cSld name="Title and Single Element">
     <p:spTree>
       <p:nvGrpSpPr>
@@ -3401,7 +3401,7 @@
 </file>
 
 <file path=ppt/slideLayouts/slideLayout3.xml><?xml version="1.0" encoding="utf-8"?>
-<p:sldLayout xmlns:a="http://schemas.openxmlformats.org/drawingml/2006/main" xmlns:r="http://schemas.openxmlformats.org/officeDocument/2006/relationships" xmlns:mc="http://schemas.openxmlformats.org/markup-compatibility/2006" xmlns:mv="urn:schemas-microsoft-com:mac:vml" xmlns:p="http://schemas.openxmlformats.org/presentationml/2006/main" mc:Ignorable="mv" mc:PreserveAttributes="mv:*" preserve="1" userDrawn="1">
+<p:sldLayout xmlns:a="http://schemas.openxmlformats.org/drawingml/2006/main" xmlns:r="http://schemas.openxmlformats.org/officeDocument/2006/relationships" xmlns:p="http://schemas.openxmlformats.org/presentationml/2006/main" preserve="1" userDrawn="1">
   <p:cSld name="Title and Two Element">
     <p:spTree>
       <p:nvGrpSpPr>
@@ -3793,7 +3793,7 @@
 </file>
 
 <file path=ppt/slideLayouts/slideLayout4.xml><?xml version="1.0" encoding="utf-8"?>
-<p:sldLayout xmlns:a="http://schemas.openxmlformats.org/drawingml/2006/main" xmlns:r="http://schemas.openxmlformats.org/officeDocument/2006/relationships" xmlns:mc="http://schemas.openxmlformats.org/markup-compatibility/2006" xmlns:mv="urn:schemas-microsoft-com:mac:vml" xmlns:p="http://schemas.openxmlformats.org/presentationml/2006/main" mc:Ignorable="mv" mc:PreserveAttributes="mv:*" preserve="1" userDrawn="1">
+<p:sldLayout xmlns:a="http://schemas.openxmlformats.org/drawingml/2006/main" xmlns:r="http://schemas.openxmlformats.org/officeDocument/2006/relationships" xmlns:p="http://schemas.openxmlformats.org/presentationml/2006/main" preserve="1" userDrawn="1">
   <p:cSld name="Title Only and Blank">
     <p:spTree>
       <p:nvGrpSpPr>
@@ -4067,7 +4067,7 @@
 </file>
 
 <file path=ppt/slideLayouts/slideLayout5.xml><?xml version="1.0" encoding="utf-8"?>
-<p:sldLayout xmlns:a="http://schemas.openxmlformats.org/drawingml/2006/main" xmlns:r="http://schemas.openxmlformats.org/officeDocument/2006/relationships" xmlns:mc="http://schemas.openxmlformats.org/markup-compatibility/2006" xmlns:mv="urn:schemas-microsoft-com:mac:vml" xmlns:p="http://schemas.openxmlformats.org/presentationml/2006/main" mc:Ignorable="mv" mc:PreserveAttributes="mv:*" userDrawn="1">
+<p:sldLayout xmlns:a="http://schemas.openxmlformats.org/drawingml/2006/main" xmlns:r="http://schemas.openxmlformats.org/officeDocument/2006/relationships" xmlns:p="http://schemas.openxmlformats.org/presentationml/2006/main" userDrawn="1">
   <p:cSld name="Left Text and Right Image">
     <p:spTree>
       <p:nvGrpSpPr>
@@ -4428,7 +4428,7 @@
 </file>
 
 <file path=ppt/slideLayouts/slideLayout6.xml><?xml version="1.0" encoding="utf-8"?>
-<p:sldLayout xmlns:a="http://schemas.openxmlformats.org/drawingml/2006/main" xmlns:r="http://schemas.openxmlformats.org/officeDocument/2006/relationships" xmlns:mc="http://schemas.openxmlformats.org/markup-compatibility/2006" xmlns:mv="urn:schemas-microsoft-com:mac:vml" xmlns:p="http://schemas.openxmlformats.org/presentationml/2006/main" mc:Ignorable="mv" mc:PreserveAttributes="mv:*" preserve="1" userDrawn="1">
+<p:sldLayout xmlns:a="http://schemas.openxmlformats.org/drawingml/2006/main" xmlns:r="http://schemas.openxmlformats.org/officeDocument/2006/relationships" xmlns:p="http://schemas.openxmlformats.org/presentationml/2006/main" preserve="1" userDrawn="1">
   <p:cSld name="Left Image and Right Text">
     <p:spTree>
       <p:nvGrpSpPr>
@@ -4789,7 +4789,7 @@
 </file>
 
 <file path=ppt/slideLayouts/slideLayout7.xml><?xml version="1.0" encoding="utf-8"?>
-<p:sldLayout xmlns:a="http://schemas.openxmlformats.org/drawingml/2006/main" xmlns:r="http://schemas.openxmlformats.org/officeDocument/2006/relationships" xmlns:mc="http://schemas.openxmlformats.org/markup-compatibility/2006" xmlns:mv="urn:schemas-microsoft-com:mac:vml" xmlns:p="http://schemas.openxmlformats.org/presentationml/2006/main" mc:Ignorable="mv" mc:PreserveAttributes="mv:*" preserve="1" userDrawn="1">
+<p:sldLayout xmlns:a="http://schemas.openxmlformats.org/drawingml/2006/main" xmlns:r="http://schemas.openxmlformats.org/officeDocument/2006/relationships" xmlns:p="http://schemas.openxmlformats.org/presentationml/2006/main" preserve="1" userDrawn="1">
   <p:cSld name="Impact Slide - Teal">
     <p:bg>
       <p:bgPr>
@@ -4884,7 +4884,7 @@
 </file>
 
 <file path=ppt/slideLayouts/slideLayout8.xml><?xml version="1.0" encoding="utf-8"?>
-<p:sldLayout xmlns:a="http://schemas.openxmlformats.org/drawingml/2006/main" xmlns:r="http://schemas.openxmlformats.org/officeDocument/2006/relationships" xmlns:mc="http://schemas.openxmlformats.org/markup-compatibility/2006" xmlns:mv="urn:schemas-microsoft-com:mac:vml" xmlns:p="http://schemas.openxmlformats.org/presentationml/2006/main" mc:Ignorable="mv" mc:PreserveAttributes="mv:*" preserve="1" userDrawn="1">
+<p:sldLayout xmlns:a="http://schemas.openxmlformats.org/drawingml/2006/main" xmlns:r="http://schemas.openxmlformats.org/officeDocument/2006/relationships" xmlns:p="http://schemas.openxmlformats.org/presentationml/2006/main" preserve="1" userDrawn="1">
   <p:cSld name="Impact Slide - Green">
     <p:bg>
       <p:bgPr>
@@ -4979,7 +4979,7 @@
 </file>
 
 <file path=ppt/slideLayouts/slideLayout9.xml><?xml version="1.0" encoding="utf-8"?>
-<p:sldLayout xmlns:a="http://schemas.openxmlformats.org/drawingml/2006/main" xmlns:r="http://schemas.openxmlformats.org/officeDocument/2006/relationships" xmlns:mc="http://schemas.openxmlformats.org/markup-compatibility/2006" xmlns:mv="urn:schemas-microsoft-com:mac:vml" xmlns:p="http://schemas.openxmlformats.org/presentationml/2006/main" mc:Ignorable="mv" mc:PreserveAttributes="mv:*" preserve="1" userDrawn="1">
+<p:sldLayout xmlns:a="http://schemas.openxmlformats.org/drawingml/2006/main" xmlns:r="http://schemas.openxmlformats.org/officeDocument/2006/relationships" xmlns:p="http://schemas.openxmlformats.org/presentationml/2006/main" preserve="1" userDrawn="1">
   <p:cSld name="Impact Slide - Orange">
     <p:bg>
       <p:bgPr>
@@ -5074,7 +5074,7 @@
 </file>
 
 <file path=ppt/slideMasters/slideMaster1.xml><?xml version="1.0" encoding="utf-8"?>
-<p:sldMaster xmlns:a="http://schemas.openxmlformats.org/drawingml/2006/main" xmlns:r="http://schemas.openxmlformats.org/officeDocument/2006/relationships" xmlns:mc="http://schemas.openxmlformats.org/markup-compatibility/2006" xmlns:mv="urn:schemas-microsoft-com:mac:vml" xmlns:p="http://schemas.openxmlformats.org/presentationml/2006/main" mc:Ignorable="mv" mc:PreserveAttributes="mv:*">
+<p:sldMaster xmlns:a="http://schemas.openxmlformats.org/drawingml/2006/main" xmlns:r="http://schemas.openxmlformats.org/officeDocument/2006/relationships" xmlns:p="http://schemas.openxmlformats.org/presentationml/2006/main">
   <p:cSld>
     <p:bg>
       <p:bgPr>
@@ -5696,7 +5696,7 @@
 </file>
 
 <file path=ppt/slides/slide1.xml><?xml version="1.0" encoding="utf-8"?>
-<p:sld xmlns:a="http://schemas.openxmlformats.org/drawingml/2006/main" xmlns:r="http://schemas.openxmlformats.org/officeDocument/2006/relationships" xmlns:mc="http://schemas.openxmlformats.org/markup-compatibility/2006" xmlns:mv="urn:schemas-microsoft-com:mac:vml" xmlns:p="http://schemas.openxmlformats.org/presentationml/2006/main" mc:Ignorable="mv" mc:PreserveAttributes="mv:*">
+<p:sld xmlns:a="http://schemas.openxmlformats.org/drawingml/2006/main" xmlns:r="http://schemas.openxmlformats.org/officeDocument/2006/relationships" xmlns:p="http://schemas.openxmlformats.org/presentationml/2006/main">
   <p:cSld>
     <p:spTree>
       <p:nvGrpSpPr>
@@ -5776,20 +5776,20 @@
     </p:spTree>
     <p:extLst>
       <p:ext uri="{BB962C8B-B14F-4D97-AF65-F5344CB8AC3E}">
-        <p14:creationId xmlns:p14="http://schemas.microsoft.com/office/powerpoint/2010/main" xmlns:p="http://schemas.openxmlformats.org/presentationml/2006/main" xmlns:r="http://schemas.openxmlformats.org/officeDocument/2006/relationships" xmlns:a="http://schemas.openxmlformats.org/drawingml/2006/main" xmlns="" val="2352184382"/>
+        <p14:creationId xmlns:p14="http://schemas.microsoft.com/office/powerpoint/2010/main" val="2352184382"/>
       </p:ext>
     </p:extLst>
   </p:cSld>
   <p:clrMapOvr>
     <a:masterClrMapping/>
   </p:clrMapOvr>
-  <p:transition spd="med">
+  <p:transition xmlns:p14="http://schemas.microsoft.com/office/powerpoint/2010/main" spd="med">
     <p:fade/>
   </p:transition>
   <p:timing>
     <p:tnLst>
       <p:par>
-        <p:cTn id="1" dur="indefinite" restart="never" nodeType="tmRoot"/>
+        <p:cTn xmlns:p14="http://schemas.microsoft.com/office/powerpoint/2010/main" id="1" dur="indefinite" restart="never" nodeType="tmRoot"/>
       </p:par>
     </p:tnLst>
   </p:timing>
@@ -5797,7 +5797,7 @@
 </file>
 
 <file path=ppt/slides/slide2.xml><?xml version="1.0" encoding="utf-8"?>
-<p:sld xmlns:a="http://schemas.openxmlformats.org/drawingml/2006/main" xmlns:r="http://schemas.openxmlformats.org/officeDocument/2006/relationships" xmlns:mc="http://schemas.openxmlformats.org/markup-compatibility/2006" xmlns:mv="urn:schemas-microsoft-com:mac:vml" xmlns:p="http://schemas.openxmlformats.org/presentationml/2006/main" mc:Ignorable="mv" mc:PreserveAttributes="mv:*">
+<p:sld xmlns:a="http://schemas.openxmlformats.org/drawingml/2006/main" xmlns:r="http://schemas.openxmlformats.org/officeDocument/2006/relationships" xmlns:p="http://schemas.openxmlformats.org/presentationml/2006/main">
   <p:cSld>
     <p:spTree>
       <p:nvGrpSpPr>
@@ -5835,14 +5835,14 @@
           </a:ln>
           <a:extLst>
             <a:ext uri="{909E8E84-426E-40dd-AFC4-6F175D3DCCD1}">
-              <a14:hiddenFill xmlns:a14="http://schemas.microsoft.com/office/drawing/2010/main" xmlns:p="http://schemas.openxmlformats.org/presentationml/2006/main" xmlns:r="http://schemas.openxmlformats.org/officeDocument/2006/relationships" xmlns:a="http://schemas.openxmlformats.org/drawingml/2006/main" xmlns="">
+              <a14:hiddenFill xmlns:a14="http://schemas.microsoft.com/office/drawing/2010/main">
                 <a:solidFill>
                   <a:srgbClr val="FFFFFF"/>
                 </a:solidFill>
               </a14:hiddenFill>
             </a:ext>
             <a:ext uri="{91240B29-F687-4f45-9708-019B960494DF}">
-              <a14:hiddenLine xmlns:a14="http://schemas.microsoft.com/office/drawing/2010/main" xmlns:p="http://schemas.openxmlformats.org/presentationml/2006/main" xmlns:r="http://schemas.openxmlformats.org/officeDocument/2006/relationships" xmlns:a="http://schemas.openxmlformats.org/drawingml/2006/main" xmlns="" w="9525">
+              <a14:hiddenLine xmlns:a14="http://schemas.microsoft.com/office/drawing/2010/main" w="9525">
                 <a:solidFill>
                   <a:srgbClr val="000000"/>
                 </a:solidFill>
@@ -6116,20 +6116,20 @@
     </p:spTree>
     <p:extLst>
       <p:ext uri="{BB962C8B-B14F-4D97-AF65-F5344CB8AC3E}">
-        <p14:creationId xmlns:p14="http://schemas.microsoft.com/office/powerpoint/2010/main" xmlns:p="http://schemas.openxmlformats.org/presentationml/2006/main" xmlns:r="http://schemas.openxmlformats.org/officeDocument/2006/relationships" xmlns:a="http://schemas.openxmlformats.org/drawingml/2006/main" xmlns="" val="111193511"/>
+        <p14:creationId xmlns:p14="http://schemas.microsoft.com/office/powerpoint/2010/main" val="111193511"/>
       </p:ext>
     </p:extLst>
   </p:cSld>
   <p:clrMapOvr>
     <a:masterClrMapping/>
   </p:clrMapOvr>
-  <p:transition>
+  <p:transition xmlns:p14="http://schemas.microsoft.com/office/powerpoint/2010/main">
     <p:fade/>
   </p:transition>
   <p:timing>
     <p:tnLst>
       <p:par>
-        <p:cTn id="1" dur="indefinite" restart="never" nodeType="tmRoot">
+        <p:cTn xmlns:p14="http://schemas.microsoft.com/office/powerpoint/2010/main" id="1" dur="indefinite" restart="never" nodeType="tmRoot">
           <p:childTnLst>
             <p:seq concurrent="1" nextAc="seek">
               <p:cTn id="2" dur="indefinite" nodeType="mainSeq">
@@ -6480,7 +6480,7 @@
 </file>
 
 <file path=ppt/slides/slide3.xml><?xml version="1.0" encoding="utf-8"?>
-<p:sld xmlns:a="http://schemas.openxmlformats.org/drawingml/2006/main" xmlns:r="http://schemas.openxmlformats.org/officeDocument/2006/relationships" xmlns:mc="http://schemas.openxmlformats.org/markup-compatibility/2006" xmlns:mv="urn:schemas-microsoft-com:mac:vml" xmlns:p="http://schemas.openxmlformats.org/presentationml/2006/main" mc:Ignorable="mv" mc:PreserveAttributes="mv:*">
+<p:sld xmlns:a="http://schemas.openxmlformats.org/drawingml/2006/main" xmlns:r="http://schemas.openxmlformats.org/officeDocument/2006/relationships" xmlns:p="http://schemas.openxmlformats.org/presentationml/2006/main">
   <p:cSld>
     <p:spTree>
       <p:nvGrpSpPr>
@@ -6518,14 +6518,14 @@
           </a:ln>
           <a:extLst>
             <a:ext uri="{909E8E84-426E-40dd-AFC4-6F175D3DCCD1}">
-              <a14:hiddenFill xmlns:a14="http://schemas.microsoft.com/office/drawing/2010/main" xmlns:p="http://schemas.openxmlformats.org/presentationml/2006/main" xmlns:r="http://schemas.openxmlformats.org/officeDocument/2006/relationships" xmlns:a="http://schemas.openxmlformats.org/drawingml/2006/main" xmlns="">
+              <a14:hiddenFill xmlns:a14="http://schemas.microsoft.com/office/drawing/2010/main">
                 <a:solidFill>
                   <a:srgbClr val="FFFFFF"/>
                 </a:solidFill>
               </a14:hiddenFill>
             </a:ext>
             <a:ext uri="{91240B29-F687-4f45-9708-019B960494DF}">
-              <a14:hiddenLine xmlns:a14="http://schemas.microsoft.com/office/drawing/2010/main" xmlns:p="http://schemas.openxmlformats.org/presentationml/2006/main" xmlns:r="http://schemas.openxmlformats.org/officeDocument/2006/relationships" xmlns:a="http://schemas.openxmlformats.org/drawingml/2006/main" xmlns="" w="9525">
+              <a14:hiddenLine xmlns:a14="http://schemas.microsoft.com/office/drawing/2010/main" w="9525">
                 <a:solidFill>
                   <a:srgbClr val="000000"/>
                 </a:solidFill>
@@ -6995,20 +6995,20 @@
     </p:spTree>
     <p:extLst>
       <p:ext uri="{BB962C8B-B14F-4D97-AF65-F5344CB8AC3E}">
-        <p14:creationId xmlns:p14="http://schemas.microsoft.com/office/powerpoint/2010/main" xmlns:p="http://schemas.openxmlformats.org/presentationml/2006/main" xmlns:r="http://schemas.openxmlformats.org/officeDocument/2006/relationships" xmlns:a="http://schemas.openxmlformats.org/drawingml/2006/main" xmlns="" val="1001420708"/>
+        <p14:creationId xmlns:p14="http://schemas.microsoft.com/office/powerpoint/2010/main" val="1001420708"/>
       </p:ext>
     </p:extLst>
   </p:cSld>
   <p:clrMapOvr>
     <a:masterClrMapping/>
   </p:clrMapOvr>
-  <p:transition>
+  <p:transition xmlns:p14="http://schemas.microsoft.com/office/powerpoint/2010/main">
     <p:fade/>
   </p:transition>
   <p:timing>
     <p:tnLst>
       <p:par>
-        <p:cTn id="1" dur="indefinite" restart="never" nodeType="tmRoot"/>
+        <p:cTn xmlns:p14="http://schemas.microsoft.com/office/powerpoint/2010/main" id="1" dur="indefinite" restart="never" nodeType="tmRoot"/>
       </p:par>
     </p:tnLst>
   </p:timing>
@@ -7016,7 +7016,7 @@
 </file>
 
 <file path=ppt/slides/slide4.xml><?xml version="1.0" encoding="utf-8"?>
-<p:sld xmlns:a="http://schemas.openxmlformats.org/drawingml/2006/main" xmlns:r="http://schemas.openxmlformats.org/officeDocument/2006/relationships" xmlns:mc="http://schemas.openxmlformats.org/markup-compatibility/2006" xmlns:mv="urn:schemas-microsoft-com:mac:vml" xmlns:p="http://schemas.openxmlformats.org/presentationml/2006/main" mc:Ignorable="mv" mc:PreserveAttributes="mv:*">
+<p:sld xmlns:a="http://schemas.openxmlformats.org/drawingml/2006/main" xmlns:r="http://schemas.openxmlformats.org/officeDocument/2006/relationships" xmlns:p="http://schemas.openxmlformats.org/presentationml/2006/main">
   <p:cSld>
     <p:spTree>
       <p:nvGrpSpPr>
@@ -7054,14 +7054,14 @@
           </a:ln>
           <a:extLst>
             <a:ext uri="{909E8E84-426E-40dd-AFC4-6F175D3DCCD1}">
-              <a14:hiddenFill xmlns:a14="http://schemas.microsoft.com/office/drawing/2010/main" xmlns:p="http://schemas.openxmlformats.org/presentationml/2006/main" xmlns:r="http://schemas.openxmlformats.org/officeDocument/2006/relationships" xmlns:a="http://schemas.openxmlformats.org/drawingml/2006/main" xmlns="">
+              <a14:hiddenFill xmlns:a14="http://schemas.microsoft.com/office/drawing/2010/main">
                 <a:solidFill>
                   <a:srgbClr val="FFFFFF"/>
                 </a:solidFill>
               </a14:hiddenFill>
             </a:ext>
             <a:ext uri="{91240B29-F687-4f45-9708-019B960494DF}">
-              <a14:hiddenLine xmlns:a14="http://schemas.microsoft.com/office/drawing/2010/main" xmlns:p="http://schemas.openxmlformats.org/presentationml/2006/main" xmlns:r="http://schemas.openxmlformats.org/officeDocument/2006/relationships" xmlns:a="http://schemas.openxmlformats.org/drawingml/2006/main" xmlns="" w="9525">
+              <a14:hiddenLine xmlns:a14="http://schemas.microsoft.com/office/drawing/2010/main" w="9525">
                 <a:solidFill>
                   <a:srgbClr val="000000"/>
                 </a:solidFill>
@@ -7471,20 +7471,20 @@
     </p:spTree>
     <p:extLst>
       <p:ext uri="{BB962C8B-B14F-4D97-AF65-F5344CB8AC3E}">
-        <p14:creationId xmlns:p14="http://schemas.microsoft.com/office/powerpoint/2010/main" xmlns:p="http://schemas.openxmlformats.org/presentationml/2006/main" xmlns:r="http://schemas.openxmlformats.org/officeDocument/2006/relationships" xmlns:a="http://schemas.openxmlformats.org/drawingml/2006/main" xmlns="" val="485547501"/>
+        <p14:creationId xmlns:p14="http://schemas.microsoft.com/office/powerpoint/2010/main" val="485547501"/>
       </p:ext>
     </p:extLst>
   </p:cSld>
   <p:clrMapOvr>
     <a:masterClrMapping/>
   </p:clrMapOvr>
-  <p:transition>
+  <p:transition xmlns:p14="http://schemas.microsoft.com/office/powerpoint/2010/main">
     <p:fade/>
   </p:transition>
   <p:timing>
     <p:tnLst>
       <p:par>
-        <p:cTn id="1" dur="indefinite" restart="never" nodeType="tmRoot"/>
+        <p:cTn xmlns:p14="http://schemas.microsoft.com/office/powerpoint/2010/main" id="1" dur="indefinite" restart="never" nodeType="tmRoot"/>
       </p:par>
     </p:tnLst>
   </p:timing>
@@ -7492,7 +7492,7 @@
 </file>
 
 <file path=ppt/slides/slide5.xml><?xml version="1.0" encoding="utf-8"?>
-<p:sld xmlns:a="http://schemas.openxmlformats.org/drawingml/2006/main" xmlns:r="http://schemas.openxmlformats.org/officeDocument/2006/relationships" xmlns:mc="http://schemas.openxmlformats.org/markup-compatibility/2006" xmlns:mv="urn:schemas-microsoft-com:mac:vml" xmlns:p="http://schemas.openxmlformats.org/presentationml/2006/main" mc:Ignorable="mv" mc:PreserveAttributes="mv:*">
+<p:sld xmlns:a="http://schemas.openxmlformats.org/drawingml/2006/main" xmlns:r="http://schemas.openxmlformats.org/officeDocument/2006/relationships" xmlns:p="http://schemas.openxmlformats.org/presentationml/2006/main">
   <p:cSld>
     <p:spTree>
       <p:nvGrpSpPr>
@@ -7577,7 +7577,7 @@
           <a:lstStyle/>
           <a:p>
             <a:r>
-              <a:rPr lang="en-US" sz="3000">
+              <a:rPr lang="en-US" sz="3000" dirty="0">
                 <a:latin typeface="Arial" charset="0"/>
                 <a:ea typeface="ＭＳ Ｐゴシック" charset="0"/>
               </a:rPr>
@@ -7587,7 +7587,7 @@
           <a:p>
             <a:pPr lvl="1"/>
             <a:r>
-              <a:rPr lang="en-US" sz="3000">
+              <a:rPr lang="en-US" sz="3000" dirty="0">
                 <a:latin typeface="Arial" charset="0"/>
                 <a:ea typeface="ＭＳ Ｐゴシック" charset="0"/>
               </a:rPr>
@@ -7597,31 +7597,81 @@
           <a:p>
             <a:pPr lvl="2"/>
             <a:r>
-              <a:rPr lang="en-US" sz="3000">
+              <a:rPr lang="en-US" sz="3000" dirty="0" smtClean="0">
                 <a:latin typeface="Arial" charset="0"/>
                 <a:ea typeface="ＭＳ Ｐゴシック" charset="0"/>
               </a:rPr>
-              <a:t>you can</a:t>
-            </a:r>
-            <a:r>
-              <a:rPr lang="ja-JP" altLang="en-US" sz="3000">
+              <a:t>You </a:t>
+            </a:r>
+            <a:r>
+              <a:rPr lang="en-US" sz="3000" dirty="0">
+                <a:latin typeface="Arial" charset="0"/>
+                <a:ea typeface="ＭＳ Ｐゴシック" charset="0"/>
+              </a:rPr>
+              <a:t>can</a:t>
+            </a:r>
+            <a:r>
+              <a:rPr lang="ja-JP" altLang="en-US" sz="3000" dirty="0">
                 <a:latin typeface="Arial" charset="0"/>
                 <a:ea typeface="ＭＳ Ｐゴシック" charset="0"/>
               </a:rPr>
               <a:t>’</a:t>
             </a:r>
             <a:r>
-              <a:rPr lang="en-US" altLang="ja-JP" sz="3000">
+              <a:rPr lang="en-US" altLang="ja-JP" sz="3000" dirty="0">
                 <a:latin typeface="Arial" charset="0"/>
                 <a:ea typeface="ＭＳ Ｐゴシック" charset="0"/>
               </a:rPr>
-              <a:t>t find videos by id with search_videos – need to use find_video_by_id or find_videos_by_ids</a:t>
-            </a:r>
+              <a:t>t find videos by id with </a:t>
+            </a:r>
+            <a:r>
+              <a:rPr lang="en-US" altLang="ja-JP" sz="3000" dirty="0" err="1">
+                <a:latin typeface="Source Code Pro"/>
+                <a:ea typeface="ＭＳ Ｐゴシック" charset="0"/>
+                <a:cs typeface="Source Code Pro"/>
+              </a:rPr>
+              <a:t>search_videos</a:t>
+            </a:r>
+            <a:r>
+              <a:rPr lang="en-US" altLang="ja-JP" sz="3000" dirty="0">
+                <a:latin typeface="Arial" charset="0"/>
+                <a:ea typeface="ＭＳ Ｐゴシック" charset="0"/>
+              </a:rPr>
+              <a:t> – need to use </a:t>
+            </a:r>
+            <a:r>
+              <a:rPr lang="en-US" altLang="ja-JP" sz="3000" dirty="0" err="1">
+                <a:latin typeface="Source Code Pro"/>
+                <a:ea typeface="ＭＳ Ｐゴシック" charset="0"/>
+                <a:cs typeface="Source Code Pro"/>
+              </a:rPr>
+              <a:t>find_video_by_id</a:t>
+            </a:r>
+            <a:r>
+              <a:rPr lang="en-US" altLang="ja-JP" sz="3000" dirty="0">
+                <a:latin typeface="Arial" charset="0"/>
+                <a:ea typeface="ＭＳ Ｐゴシック" charset="0"/>
+              </a:rPr>
+              <a:t> or </a:t>
+            </a:r>
+            <a:r>
+              <a:rPr lang="en-US" altLang="ja-JP" sz="3000" dirty="0" err="1">
+                <a:latin typeface="Source Code Pro"/>
+                <a:ea typeface="ＭＳ Ｐゴシック" charset="0"/>
+                <a:cs typeface="Source Code Pro"/>
+              </a:rPr>
+              <a:t>find_videos_by_ids</a:t>
+            </a:r>
+            <a:endParaRPr lang="en-US" altLang="ja-JP" sz="3000" dirty="0">
+              <a:latin typeface="Source Code Pro"/>
+              <a:ea typeface="ＭＳ Ｐゴシック" charset="0"/>
+              <a:cs typeface="Source Code Pro"/>
+            </a:endParaRPr>
           </a:p>
           <a:p>
             <a:pPr lvl="2"/>
             <a:r>
-              <a:rPr lang="en-US" sz="3000">
+              <a:rPr lang="en-US" sz="3000" dirty="0">
                 <a:latin typeface="Arial" charset="0"/>
                 <a:ea typeface="ＭＳ Ｐゴシック" charset="0"/>
               </a:rPr>
@@ -7630,11 +7680,19 @@
           </a:p>
           <a:p>
             <a:r>
-              <a:rPr lang="en-US" sz="3000">
-                <a:latin typeface="Arial" charset="0"/>
-                <a:ea typeface="ＭＳ Ｐゴシック" charset="0"/>
+              <a:rPr lang="en-US" sz="3000" dirty="0" err="1">
+                <a:latin typeface="Source Code Pro"/>
+                <a:ea typeface="ＭＳ Ｐゴシック" charset="0"/>
+                <a:cs typeface="Source Code Pro"/>
               </a:rPr>
-              <a:t>search_videos allows for the most complex searches and is the only method that can search custom field values</a:t>
+              <a:t>search_videos</a:t>
+            </a:r>
+            <a:r>
+              <a:rPr lang="en-US" sz="3000" dirty="0">
+                <a:latin typeface="Arial" charset="0"/>
+                <a:ea typeface="ＭＳ Ｐゴシック" charset="0"/>
+              </a:rPr>
+              <a:t> allows for the most complex searches and is the only method that can search custom field values</a:t>
             </a:r>
           </a:p>
         </p:txBody>
@@ -7653,14 +7711,14 @@
           <a:noFill/>
           <a:extLst>
             <a:ext uri="{909E8E84-426E-40dd-AFC4-6F175D3DCCD1}">
-              <a14:hiddenFill xmlns:a14="http://schemas.microsoft.com/office/drawing/2010/main" xmlns:p="http://schemas.openxmlformats.org/presentationml/2006/main" xmlns:r="http://schemas.openxmlformats.org/officeDocument/2006/relationships" xmlns:a="http://schemas.openxmlformats.org/drawingml/2006/main" xmlns="">
+              <a14:hiddenFill xmlns:a14="http://schemas.microsoft.com/office/drawing/2010/main">
                 <a:solidFill>
                   <a:srgbClr val="FFFFFF"/>
                 </a:solidFill>
               </a14:hiddenFill>
             </a:ext>
             <a:ext uri="{91240B29-F687-4f45-9708-019B960494DF}">
-              <a14:hiddenLine xmlns:a14="http://schemas.microsoft.com/office/drawing/2010/main" xmlns:p="http://schemas.openxmlformats.org/presentationml/2006/main" xmlns:r="http://schemas.openxmlformats.org/officeDocument/2006/relationships" xmlns:a="http://schemas.openxmlformats.org/drawingml/2006/main" xmlns="" w="9525">
+              <a14:hiddenLine xmlns:a14="http://schemas.microsoft.com/office/drawing/2010/main" w="9525">
                 <a:solidFill>
                   <a:srgbClr val="000000"/>
                 </a:solidFill>
@@ -7803,7 +7861,7 @@
     </p:spTree>
     <p:extLst>
       <p:ext uri="{BB962C8B-B14F-4D97-AF65-F5344CB8AC3E}">
-        <p14:creationId xmlns:p14="http://schemas.microsoft.com/office/powerpoint/2010/main" xmlns:p="http://schemas.openxmlformats.org/presentationml/2006/main" xmlns:r="http://schemas.openxmlformats.org/officeDocument/2006/relationships" xmlns:a="http://schemas.openxmlformats.org/drawingml/2006/main" xmlns="" val="1893378589"/>
+        <p14:creationId xmlns:p14="http://schemas.microsoft.com/office/powerpoint/2010/main" val="1893378589"/>
       </p:ext>
     </p:extLst>
   </p:cSld>
@@ -7813,7 +7871,7 @@
   <p:timing>
     <p:tnLst>
       <p:par>
-        <p:cTn id="1" dur="indefinite" restart="never" nodeType="tmRoot"/>
+        <p:cTn xmlns:p14="http://schemas.microsoft.com/office/powerpoint/2010/main" id="1" dur="indefinite" restart="never" nodeType="tmRoot"/>
       </p:par>
     </p:tnLst>
   </p:timing>
@@ -7821,7 +7879,7 @@
 </file>
 
 <file path=ppt/slides/slide6.xml><?xml version="1.0" encoding="utf-8"?>
-<p:sld xmlns:a="http://schemas.openxmlformats.org/drawingml/2006/main" xmlns:r="http://schemas.openxmlformats.org/officeDocument/2006/relationships" xmlns:mc="http://schemas.openxmlformats.org/markup-compatibility/2006" xmlns:mv="urn:schemas-microsoft-com:mac:vml" xmlns:p="http://schemas.openxmlformats.org/presentationml/2006/main" mc:Ignorable="mv" mc:PreserveAttributes="mv:*">
+<p:sld xmlns:a="http://schemas.openxmlformats.org/drawingml/2006/main" xmlns:r="http://schemas.openxmlformats.org/officeDocument/2006/relationships" xmlns:p="http://schemas.openxmlformats.org/presentationml/2006/main">
   <p:cSld>
     <p:spTree>
       <p:nvGrpSpPr>
@@ -7922,20 +7980,20 @@
     </p:spTree>
     <p:extLst>
       <p:ext uri="{BB962C8B-B14F-4D97-AF65-F5344CB8AC3E}">
-        <p14:creationId xmlns:p14="http://schemas.microsoft.com/office/powerpoint/2010/main" xmlns:p="http://schemas.openxmlformats.org/presentationml/2006/main" xmlns:r="http://schemas.openxmlformats.org/officeDocument/2006/relationships" xmlns:a="http://schemas.openxmlformats.org/drawingml/2006/main" xmlns="" val="3700295984"/>
+        <p14:creationId xmlns:p14="http://schemas.microsoft.com/office/powerpoint/2010/main" val="3700295984"/>
       </p:ext>
     </p:extLst>
   </p:cSld>
   <p:clrMapOvr>
     <a:masterClrMapping/>
   </p:clrMapOvr>
-  <p:transition spd="med">
+  <p:transition xmlns:p14="http://schemas.microsoft.com/office/powerpoint/2010/main" spd="med">
     <p:fade/>
   </p:transition>
   <p:timing>
     <p:tnLst>
       <p:par>
-        <p:cTn id="1" dur="indefinite" restart="never" nodeType="tmRoot"/>
+        <p:cTn xmlns:p14="http://schemas.microsoft.com/office/powerpoint/2010/main" id="1" dur="indefinite" restart="never" nodeType="tmRoot"/>
       </p:par>
     </p:tnLst>
   </p:timing>
